--- a/docs/images/fig.pptx
+++ b/docs/images/fig.pptx
@@ -207,7 +207,7 @@
           <a:p>
             <a:fld id="{6343158B-3BB4-4E56-9236-2FCD7DBA1E21}" type="datetimeFigureOut">
               <a:rPr kumimoji="1" lang="ja-JP" altLang="en-US" smtClean="0"/>
-              <a:t>2023/6/28</a:t>
+              <a:t>2023/8/10</a:t>
             </a:fld>
             <a:endParaRPr kumimoji="1" lang="ja-JP" altLang="en-US"/>
           </a:p>
@@ -825,7 +825,7 @@
           <a:p>
             <a:fld id="{24D7686E-F428-4795-A070-8AB1B0A30AE4}" type="datetimeFigureOut">
               <a:rPr kumimoji="1" lang="ja-JP" altLang="en-US" smtClean="0"/>
-              <a:t>2023/6/28</a:t>
+              <a:t>2023/8/10</a:t>
             </a:fld>
             <a:endParaRPr kumimoji="1" lang="ja-JP" altLang="en-US"/>
           </a:p>
@@ -1055,7 +1055,7 @@
           <a:p>
             <a:fld id="{24D7686E-F428-4795-A070-8AB1B0A30AE4}" type="datetimeFigureOut">
               <a:rPr kumimoji="1" lang="ja-JP" altLang="en-US" smtClean="0"/>
-              <a:t>2023/6/28</a:t>
+              <a:t>2023/8/10</a:t>
             </a:fld>
             <a:endParaRPr kumimoji="1" lang="ja-JP" altLang="en-US"/>
           </a:p>
@@ -1295,7 +1295,7 @@
           <a:p>
             <a:fld id="{24D7686E-F428-4795-A070-8AB1B0A30AE4}" type="datetimeFigureOut">
               <a:rPr kumimoji="1" lang="ja-JP" altLang="en-US" smtClean="0"/>
-              <a:t>2023/6/28</a:t>
+              <a:t>2023/8/10</a:t>
             </a:fld>
             <a:endParaRPr kumimoji="1" lang="ja-JP" altLang="en-US"/>
           </a:p>
@@ -2088,7 +2088,7 @@
           <a:p>
             <a:fld id="{24D7686E-F428-4795-A070-8AB1B0A30AE4}" type="datetimeFigureOut">
               <a:rPr kumimoji="1" lang="ja-JP" altLang="en-US" smtClean="0"/>
-              <a:t>2023/6/28</a:t>
+              <a:t>2023/8/10</a:t>
             </a:fld>
             <a:endParaRPr kumimoji="1" lang="ja-JP" altLang="en-US"/>
           </a:p>
@@ -2363,7 +2363,7 @@
           <a:p>
             <a:fld id="{24D7686E-F428-4795-A070-8AB1B0A30AE4}" type="datetimeFigureOut">
               <a:rPr kumimoji="1" lang="ja-JP" altLang="en-US" smtClean="0"/>
-              <a:t>2023/6/28</a:t>
+              <a:t>2023/8/10</a:t>
             </a:fld>
             <a:endParaRPr kumimoji="1" lang="ja-JP" altLang="en-US"/>
           </a:p>
@@ -2692,7 +2692,7 @@
           <a:p>
             <a:fld id="{24D7686E-F428-4795-A070-8AB1B0A30AE4}" type="datetimeFigureOut">
               <a:rPr kumimoji="1" lang="ja-JP" altLang="en-US" smtClean="0"/>
-              <a:t>2023/6/28</a:t>
+              <a:t>2023/8/10</a:t>
             </a:fld>
             <a:endParaRPr kumimoji="1" lang="ja-JP" altLang="en-US"/>
           </a:p>
@@ -3168,7 +3168,7 @@
           <a:p>
             <a:fld id="{24D7686E-F428-4795-A070-8AB1B0A30AE4}" type="datetimeFigureOut">
               <a:rPr kumimoji="1" lang="ja-JP" altLang="en-US" smtClean="0"/>
-              <a:t>2023/6/28</a:t>
+              <a:t>2023/8/10</a:t>
             </a:fld>
             <a:endParaRPr kumimoji="1" lang="ja-JP" altLang="en-US"/>
           </a:p>
@@ -3309,7 +3309,7 @@
           <a:p>
             <a:fld id="{24D7686E-F428-4795-A070-8AB1B0A30AE4}" type="datetimeFigureOut">
               <a:rPr kumimoji="1" lang="ja-JP" altLang="en-US" smtClean="0"/>
-              <a:t>2023/6/28</a:t>
+              <a:t>2023/8/10</a:t>
             </a:fld>
             <a:endParaRPr kumimoji="1" lang="ja-JP" altLang="en-US"/>
           </a:p>
@@ -3422,7 +3422,7 @@
           <a:p>
             <a:fld id="{24D7686E-F428-4795-A070-8AB1B0A30AE4}" type="datetimeFigureOut">
               <a:rPr kumimoji="1" lang="ja-JP" altLang="en-US" smtClean="0"/>
-              <a:t>2023/6/28</a:t>
+              <a:t>2023/8/10</a:t>
             </a:fld>
             <a:endParaRPr kumimoji="1" lang="ja-JP" altLang="en-US"/>
           </a:p>
@@ -3765,7 +3765,7 @@
           <a:p>
             <a:fld id="{24D7686E-F428-4795-A070-8AB1B0A30AE4}" type="datetimeFigureOut">
               <a:rPr kumimoji="1" lang="ja-JP" altLang="en-US" smtClean="0"/>
-              <a:t>2023/6/28</a:t>
+              <a:t>2023/8/10</a:t>
             </a:fld>
             <a:endParaRPr kumimoji="1" lang="ja-JP" altLang="en-US"/>
           </a:p>
@@ -4053,7 +4053,7 @@
           <a:p>
             <a:fld id="{24D7686E-F428-4795-A070-8AB1B0A30AE4}" type="datetimeFigureOut">
               <a:rPr kumimoji="1" lang="ja-JP" altLang="en-US" smtClean="0"/>
-              <a:t>2023/6/28</a:t>
+              <a:t>2023/8/10</a:t>
             </a:fld>
             <a:endParaRPr kumimoji="1" lang="ja-JP" altLang="en-US"/>
           </a:p>
@@ -4326,7 +4326,7 @@
           <a:p>
             <a:fld id="{24D7686E-F428-4795-A070-8AB1B0A30AE4}" type="datetimeFigureOut">
               <a:rPr kumimoji="1" lang="ja-JP" altLang="en-US" smtClean="0"/>
-              <a:t>2023/6/28</a:t>
+              <a:t>2023/8/10</a:t>
             </a:fld>
             <a:endParaRPr kumimoji="1" lang="ja-JP" altLang="en-US"/>
           </a:p>
@@ -13814,8 +13814,8 @@
         </p:nvSpPr>
         <p:spPr>
           <a:xfrm>
-            <a:off x="5411976" y="3011642"/>
-            <a:ext cx="1529751" cy="1733909"/>
+            <a:off x="5431671" y="3678513"/>
+            <a:ext cx="1529751" cy="1481807"/>
           </a:xfrm>
           <a:prstGeom prst="rect">
             <a:avLst/>
@@ -14006,7 +14006,7 @@
         </p:nvSpPr>
         <p:spPr>
           <a:xfrm>
-            <a:off x="5397726" y="2670402"/>
+            <a:off x="5376273" y="1811955"/>
             <a:ext cx="2392393" cy="323165"/>
           </a:xfrm>
           <a:prstGeom prst="rect">
@@ -14055,7 +14055,7 @@
                 <a:ea typeface="Yu Gothic UI Semibold" panose="020B0700000000000000" pitchFamily="50" charset="-128"/>
                 <a:cs typeface="+mn-cs"/>
               </a:rPr>
-              <a:t>Backend</a:t>
+              <a:t>Frontend</a:t>
             </a:r>
           </a:p>
         </p:txBody>
@@ -14125,8 +14125,8 @@
         </p:nvCxnSpPr>
         <p:spPr>
           <a:xfrm>
-            <a:off x="6941727" y="3878597"/>
-            <a:ext cx="1717740" cy="807510"/>
+            <a:off x="6961422" y="4419417"/>
+            <a:ext cx="1698045" cy="266690"/>
           </a:xfrm>
           <a:prstGeom prst="bentConnector3">
             <a:avLst>
@@ -14170,8 +14170,8 @@
         </p:nvSpPr>
         <p:spPr>
           <a:xfrm>
-            <a:off x="5107551" y="2523498"/>
-            <a:ext cx="2207649" cy="2474752"/>
+            <a:off x="5108125" y="1731996"/>
+            <a:ext cx="2207649" cy="3626321"/>
           </a:xfrm>
           <a:prstGeom prst="rect">
             <a:avLst/>
@@ -14256,7 +14256,7 @@
         </p:nvSpPr>
         <p:spPr>
           <a:xfrm>
-            <a:off x="5009809" y="2210103"/>
+            <a:off x="5010383" y="1418602"/>
             <a:ext cx="3349957" cy="276999"/>
           </a:xfrm>
           <a:prstGeom prst="rect">
@@ -14324,7 +14324,7 @@
         </p:nvSpPr>
         <p:spPr>
           <a:xfrm>
-            <a:off x="3171218" y="2447030"/>
+            <a:off x="3274906" y="3614288"/>
             <a:ext cx="1555836" cy="276999"/>
           </a:xfrm>
           <a:prstGeom prst="rect">
@@ -14432,8 +14432,8 @@
         </p:nvCxnSpPr>
         <p:spPr>
           <a:xfrm flipV="1">
-            <a:off x="6941727" y="2344034"/>
-            <a:ext cx="1709351" cy="1534563"/>
+            <a:off x="6961422" y="2344034"/>
+            <a:ext cx="1689656" cy="2075383"/>
           </a:xfrm>
           <a:prstGeom prst="bentConnector3">
             <a:avLst>
@@ -14576,7 +14576,7 @@
         </p:blipFill>
         <p:spPr>
           <a:xfrm>
-            <a:off x="3622784" y="2762350"/>
+            <a:off x="3726472" y="3929608"/>
             <a:ext cx="468087" cy="468087"/>
           </a:xfrm>
           <a:prstGeom prst="rect">
@@ -15005,7 +15005,7 @@
         </p:nvSpPr>
         <p:spPr>
           <a:xfrm>
-            <a:off x="3343314" y="3252159"/>
+            <a:off x="3447002" y="4419417"/>
             <a:ext cx="1370352" cy="553998"/>
           </a:xfrm>
           <a:prstGeom prst="rect">
@@ -15257,7 +15257,7 @@
         </p:blipFill>
         <p:spPr bwMode="auto">
           <a:xfrm>
-            <a:off x="5467938" y="3210886"/>
+            <a:off x="5534238" y="3842655"/>
             <a:ext cx="1271150" cy="429357"/>
           </a:xfrm>
           <a:prstGeom prst="rect">
@@ -15289,8 +15289,8 @@
         </p:nvSpPr>
         <p:spPr>
           <a:xfrm>
-            <a:off x="5455711" y="3662413"/>
-            <a:ext cx="1422247" cy="707886"/>
+            <a:off x="5595419" y="4385287"/>
+            <a:ext cx="1422247" cy="553998"/>
           </a:xfrm>
           <a:prstGeom prst="rect">
             <a:avLst/>
@@ -15323,37 +15323,6 @@
               <a:tabLst/>
               <a:defRPr/>
             </a:pPr>
-            <a:r>
-              <a:rPr kumimoji="1" lang="en-US" altLang="ja-JP" sz="1000" b="0" i="0" u="none" strike="noStrike" kern="1200" cap="none" spc="0" normalizeH="0" baseline="0" noProof="0" dirty="0">
-                <a:ln>
-                  <a:noFill/>
-                </a:ln>
-                <a:solidFill>
-                  <a:srgbClr val="000000"/>
-                </a:solidFill>
-                <a:effectLst/>
-                <a:uLnTx/>
-                <a:uFillTx/>
-                <a:latin typeface="Yu Gothic UI Semilight" panose="020B0400000000000000" pitchFamily="50" charset="-128"/>
-                <a:ea typeface="Yu Gothic UI Semilight" panose="020B0400000000000000" pitchFamily="50" charset="-128"/>
-              </a:rPr>
-              <a:t>Flask-RESTX</a:t>
-            </a:r>
-            <a:br>
-              <a:rPr kumimoji="1" lang="en-US" altLang="ja-JP" sz="1000" b="0" i="0" u="none" strike="noStrike" kern="1200" cap="none" spc="0" normalizeH="0" baseline="0" noProof="0" dirty="0">
-                <a:ln>
-                  <a:noFill/>
-                </a:ln>
-                <a:solidFill>
-                  <a:srgbClr val="000000"/>
-                </a:solidFill>
-                <a:effectLst/>
-                <a:uLnTx/>
-                <a:uFillTx/>
-                <a:latin typeface="Yu Gothic UI Semilight" panose="020B0400000000000000" pitchFamily="50" charset="-128"/>
-                <a:ea typeface="Yu Gothic UI Semilight" panose="020B0400000000000000" pitchFamily="50" charset="-128"/>
-              </a:rPr>
-            </a:br>
             <a:r>
               <a:rPr kumimoji="1" lang="en-US" altLang="ja-JP" sz="1000" b="0" i="0" u="none" strike="noStrike" kern="1200" cap="none" spc="0" normalizeH="0" baseline="0" noProof="0" dirty="0">
                 <a:ln>
@@ -15455,10 +15424,10 @@
       </p:sp>
       <p:sp>
         <p:nvSpPr>
-          <p:cNvPr id="32" name="テキスト ボックス 31">
-            <a:extLst>
-              <a:ext uri="{FF2B5EF4-FFF2-40B4-BE49-F238E27FC236}">
-                <a16:creationId xmlns:a16="http://schemas.microsoft.com/office/drawing/2014/main" id="{7EF69B9A-DCAD-8BE9-5A5A-0E1AAE676686}"/>
+          <p:cNvPr id="34" name="テキスト ボックス 33">
+            <a:extLst>
+              <a:ext uri="{FF2B5EF4-FFF2-40B4-BE49-F238E27FC236}">
+                <a16:creationId xmlns:a16="http://schemas.microsoft.com/office/drawing/2014/main" id="{46CA1631-1ABA-A777-035B-AECBFF2071F5}"/>
               </a:ext>
             </a:extLst>
           </p:cNvPr>
@@ -15467,19 +15436,16 @@
         </p:nvSpPr>
         <p:spPr>
           <a:xfrm>
-            <a:off x="4109963" y="4255789"/>
-            <a:ext cx="2392393" cy="292388"/>
+            <a:off x="1379562" y="4050570"/>
+            <a:ext cx="1141064" cy="246221"/>
           </a:xfrm>
           <a:prstGeom prst="rect">
             <a:avLst/>
           </a:prstGeom>
           <a:noFill/>
-          <a:ln w="19050">
-            <a:noFill/>
-          </a:ln>
         </p:spPr>
         <p:txBody>
-          <a:bodyPr wrap="square" rtlCol="0">
+          <a:bodyPr wrap="square">
             <a:spAutoFit/>
           </a:bodyPr>
           <a:lstStyle/>
@@ -15502,149 +15468,6 @@
               <a:defRPr/>
             </a:pPr>
             <a:r>
-              <a:rPr kumimoji="1" lang="en-US" altLang="ja-JP" sz="1300" b="0" i="0" u="none" strike="noStrike" kern="1200" cap="none" spc="0" normalizeH="0" baseline="0" noProof="0" dirty="0">
-                <a:ln>
-                  <a:noFill/>
-                </a:ln>
-                <a:solidFill>
-                  <a:srgbClr val="000000"/>
-                </a:solidFill>
-                <a:effectLst/>
-                <a:uLnTx/>
-                <a:uFillTx/>
-                <a:latin typeface="Yu Gothic UI Semilight" panose="020B0400000000000000" pitchFamily="50" charset="-128"/>
-                <a:ea typeface="Yu Gothic UI Semilight" panose="020B0400000000000000" pitchFamily="50" charset="-128"/>
-              </a:rPr>
-              <a:t>Swagger</a:t>
-            </a:r>
-            <a:r>
-              <a:rPr kumimoji="1" lang="ja-JP" altLang="en-US" sz="1300" b="0" i="0" u="none" strike="noStrike" kern="1200" cap="none" spc="0" normalizeH="0" baseline="0" noProof="0" dirty="0">
-                <a:ln>
-                  <a:noFill/>
-                </a:ln>
-                <a:solidFill>
-                  <a:srgbClr val="000000"/>
-                </a:solidFill>
-                <a:effectLst/>
-                <a:uLnTx/>
-                <a:uFillTx/>
-                <a:latin typeface="Yu Gothic UI Semilight" panose="020B0400000000000000" pitchFamily="50" charset="-128"/>
-                <a:ea typeface="Yu Gothic UI Semilight" panose="020B0400000000000000" pitchFamily="50" charset="-128"/>
-              </a:rPr>
-              <a:t> </a:t>
-            </a:r>
-            <a:r>
-              <a:rPr kumimoji="1" lang="en-US" altLang="ja-JP" sz="1300" b="0" i="0" u="none" strike="noStrike" kern="1200" cap="none" spc="0" normalizeH="0" baseline="0" noProof="0" dirty="0">
-                <a:ln>
-                  <a:noFill/>
-                </a:ln>
-                <a:solidFill>
-                  <a:srgbClr val="000000"/>
-                </a:solidFill>
-                <a:effectLst/>
-                <a:uLnTx/>
-                <a:uFillTx/>
-                <a:latin typeface="Yu Gothic UI Semilight" panose="020B0400000000000000" pitchFamily="50" charset="-128"/>
-                <a:ea typeface="Yu Gothic UI Semilight" panose="020B0400000000000000" pitchFamily="50" charset="-128"/>
-              </a:rPr>
-              <a:t>UI</a:t>
-            </a:r>
-          </a:p>
-        </p:txBody>
-      </p:sp>
-      <p:pic>
-        <p:nvPicPr>
-          <p:cNvPr id="33" name="Picture 10" descr="Swagger (software) - Wikipedia">
-            <a:extLst>
-              <a:ext uri="{FF2B5EF4-FFF2-40B4-BE49-F238E27FC236}">
-                <a16:creationId xmlns:a16="http://schemas.microsoft.com/office/drawing/2014/main" id="{D3AD9DC0-5A37-8373-0F33-C556872BC3D5}"/>
-              </a:ext>
-            </a:extLst>
-          </p:cNvPr>
-          <p:cNvPicPr>
-            <a:picLocks noChangeAspect="1" noChangeArrowheads="1"/>
-          </p:cNvPicPr>
-          <p:nvPr/>
-        </p:nvPicPr>
-        <p:blipFill>
-          <a:blip r:embed="rId11">
-            <a:extLst>
-              <a:ext uri="{28A0092B-C50C-407E-A947-70E740481C1C}">
-                <a14:useLocalDpi xmlns:a14="http://schemas.microsoft.com/office/drawing/2010/main" val="0"/>
-              </a:ext>
-            </a:extLst>
-          </a:blip>
-          <a:srcRect/>
-          <a:stretch>
-            <a:fillRect/>
-          </a:stretch>
-        </p:blipFill>
-        <p:spPr bwMode="auto">
-          <a:xfrm>
-            <a:off x="4911337" y="3901040"/>
-            <a:ext cx="384146" cy="384146"/>
-          </a:xfrm>
-          <a:prstGeom prst="rect">
-            <a:avLst/>
-          </a:prstGeom>
-          <a:noFill/>
-          <a:extLst>
-            <a:ext uri="{909E8E84-426E-40DD-AFC4-6F175D3DCCD1}">
-              <a14:hiddenFill xmlns:a14="http://schemas.microsoft.com/office/drawing/2010/main">
-                <a:solidFill>
-                  <a:srgbClr val="FFFFFF"/>
-                </a:solidFill>
-              </a14:hiddenFill>
-            </a:ext>
-          </a:extLst>
-        </p:spPr>
-      </p:pic>
-      <p:sp>
-        <p:nvSpPr>
-          <p:cNvPr id="34" name="テキスト ボックス 33">
-            <a:extLst>
-              <a:ext uri="{FF2B5EF4-FFF2-40B4-BE49-F238E27FC236}">
-                <a16:creationId xmlns:a16="http://schemas.microsoft.com/office/drawing/2014/main" id="{46CA1631-1ABA-A777-035B-AECBFF2071F5}"/>
-              </a:ext>
-            </a:extLst>
-          </p:cNvPr>
-          <p:cNvSpPr txBox="1"/>
-          <p:nvPr/>
-        </p:nvSpPr>
-        <p:spPr>
-          <a:xfrm>
-            <a:off x="4454020" y="2741496"/>
-            <a:ext cx="643274" cy="246221"/>
-          </a:xfrm>
-          <a:prstGeom prst="rect">
-            <a:avLst/>
-          </a:prstGeom>
-          <a:noFill/>
-        </p:spPr>
-        <p:txBody>
-          <a:bodyPr wrap="square">
-            <a:spAutoFit/>
-          </a:bodyPr>
-          <a:lstStyle/>
-          <a:p>
-            <a:pPr marL="0" marR="0" lvl="0" indent="0" algn="l" defTabSz="914367" rtl="0" eaLnBrk="1" fontAlgn="auto" latinLnBrk="0" hangingPunct="1">
-              <a:lnSpc>
-                <a:spcPct val="100000"/>
-              </a:lnSpc>
-              <a:spcBef>
-                <a:spcPts val="0"/>
-              </a:spcBef>
-              <a:spcAft>
-                <a:spcPts val="0"/>
-              </a:spcAft>
-              <a:buClrTx/>
-              <a:buSzTx/>
-              <a:buFontTx/>
-              <a:buNone/>
-              <a:tabLst/>
-              <a:defRPr/>
-            </a:pPr>
-            <a:r>
               <a:rPr lang="en-US" altLang="ja-JP" sz="1000" dirty="0">
                 <a:solidFill>
                   <a:srgbClr val="000000"/>
@@ -15652,7 +15475,17 @@
                 <a:latin typeface="Yu Gothic UI Semibold" panose="020B0700000000000000" pitchFamily="50" charset="-128"/>
                 <a:ea typeface="Yu Gothic UI Semibold" panose="020B0700000000000000" pitchFamily="50" charset="-128"/>
               </a:rPr>
-              <a:t>JSON</a:t>
+              <a:t>API</a:t>
+            </a:r>
+            <a:r>
+              <a:rPr lang="ja-JP" altLang="en-US" sz="1000" dirty="0">
+                <a:solidFill>
+                  <a:srgbClr val="000000"/>
+                </a:solidFill>
+                <a:latin typeface="Yu Gothic UI Semibold" panose="020B0700000000000000" pitchFamily="50" charset="-128"/>
+                <a:ea typeface="Yu Gothic UI Semibold" panose="020B0700000000000000" pitchFamily="50" charset="-128"/>
+              </a:rPr>
+              <a:t>呼び出し</a:t>
             </a:r>
             <a:endParaRPr kumimoji="1" lang="en-US" altLang="ja-JP" sz="1000" b="0" i="0" u="none" strike="noStrike" kern="1200" cap="none" spc="0" normalizeH="0" baseline="0" noProof="0" dirty="0">
               <a:ln>
@@ -15744,11 +15577,11 @@
           <p:nvPr/>
         </p:nvPicPr>
         <p:blipFill>
-          <a:blip r:embed="rId12">
+          <a:blip r:embed="rId11">
             <a:extLst>
               <a:ext uri="{BEBA8EAE-BF5A-486C-A8C5-ECC9F3942E4B}">
                 <a14:imgProps xmlns:a14="http://schemas.microsoft.com/office/drawing/2010/main">
-                  <a14:imgLayer r:embed="rId13">
+                  <a14:imgLayer r:embed="rId12">
                     <a14:imgEffect>
                       <a14:backgroundRemoval t="10000" b="90000" l="10000" r="90000"/>
                     </a14:imgEffect>
@@ -15787,10 +15620,10 @@
       </p:pic>
       <p:sp>
         <p:nvSpPr>
-          <p:cNvPr id="37" name="正方形/長方形 36">
-            <a:extLst>
-              <a:ext uri="{FF2B5EF4-FFF2-40B4-BE49-F238E27FC236}">
-                <a16:creationId xmlns:a16="http://schemas.microsoft.com/office/drawing/2014/main" id="{3F0FB093-3FB7-91D4-7839-56994AD2D808}"/>
+          <p:cNvPr id="38" name="正方形/長方形 37">
+            <a:extLst>
+              <a:ext uri="{FF2B5EF4-FFF2-40B4-BE49-F238E27FC236}">
+                <a16:creationId xmlns:a16="http://schemas.microsoft.com/office/drawing/2014/main" id="{8DAC8E55-FA6D-6598-58B2-C5FCD2933FAD}"/>
               </a:ext>
             </a:extLst>
           </p:cNvPr>
@@ -15799,21 +15632,20 @@
         </p:nvSpPr>
         <p:spPr>
           <a:xfrm>
-            <a:off x="791445" y="2542803"/>
-            <a:ext cx="1529751" cy="902898"/>
-          </a:xfrm>
-          <a:prstGeom prst="rect">
-            <a:avLst/>
-          </a:prstGeom>
-          <a:solidFill>
-            <a:schemeClr val="bg1"/>
-          </a:solidFill>
+            <a:off x="638026" y="2201494"/>
+            <a:ext cx="1977588" cy="2148810"/>
+          </a:xfrm>
+          <a:prstGeom prst="rect">
+            <a:avLst/>
+          </a:prstGeom>
+          <a:noFill/>
           <a:ln w="19050">
             <a:solidFill>
-              <a:schemeClr val="bg1">
-                <a:lumMod val="65000"/>
+              <a:schemeClr val="bg2">
+                <a:lumMod val="75000"/>
               </a:schemeClr>
             </a:solidFill>
+            <a:prstDash val="sysDash"/>
           </a:ln>
         </p:spPr>
         <p:style>
@@ -15874,10 +15706,613 @@
       </p:sp>
       <p:sp>
         <p:nvSpPr>
-          <p:cNvPr id="38" name="正方形/長方形 37">
-            <a:extLst>
-              <a:ext uri="{FF2B5EF4-FFF2-40B4-BE49-F238E27FC236}">
-                <a16:creationId xmlns:a16="http://schemas.microsoft.com/office/drawing/2014/main" id="{8DAC8E55-FA6D-6598-58B2-C5FCD2933FAD}"/>
+          <p:cNvPr id="39" name="テキスト ボックス 38">
+            <a:extLst>
+              <a:ext uri="{FF2B5EF4-FFF2-40B4-BE49-F238E27FC236}">
+                <a16:creationId xmlns:a16="http://schemas.microsoft.com/office/drawing/2014/main" id="{89C473A5-60FF-FE0E-1D75-891F7CF15E43}"/>
+              </a:ext>
+            </a:extLst>
+          </p:cNvPr>
+          <p:cNvSpPr txBox="1"/>
+          <p:nvPr/>
+        </p:nvSpPr>
+        <p:spPr>
+          <a:xfrm>
+            <a:off x="577978" y="1908488"/>
+            <a:ext cx="3349957" cy="276999"/>
+          </a:xfrm>
+          <a:prstGeom prst="rect">
+            <a:avLst/>
+          </a:prstGeom>
+          <a:noFill/>
+          <a:ln w="19050">
+            <a:noFill/>
+          </a:ln>
+        </p:spPr>
+        <p:txBody>
+          <a:bodyPr wrap="square" rtlCol="0">
+            <a:spAutoFit/>
+          </a:bodyPr>
+          <a:lstStyle/>
+          <a:p>
+            <a:pPr marL="0" marR="0" lvl="0" indent="0" algn="l" defTabSz="914367" rtl="0" eaLnBrk="1" fontAlgn="auto" latinLnBrk="0" hangingPunct="1">
+              <a:lnSpc>
+                <a:spcPct val="100000"/>
+              </a:lnSpc>
+              <a:spcBef>
+                <a:spcPts val="0"/>
+              </a:spcBef>
+              <a:spcAft>
+                <a:spcPts val="0"/>
+              </a:spcAft>
+              <a:buClrTx/>
+              <a:buSzTx/>
+              <a:buFontTx/>
+              <a:buNone/>
+              <a:tabLst/>
+              <a:defRPr/>
+            </a:pPr>
+            <a:r>
+              <a:rPr lang="ja-JP" altLang="en-US" sz="1200" dirty="0">
+                <a:solidFill>
+                  <a:schemeClr val="accent1"/>
+                </a:solidFill>
+                <a:latin typeface="Yu Gothic UI Semibold" panose="020B0700000000000000" pitchFamily="50" charset="-128"/>
+                <a:ea typeface="Yu Gothic UI Semibold" panose="020B0700000000000000" pitchFamily="50" charset="-128"/>
+              </a:rPr>
+              <a:t>クライアント</a:t>
+            </a:r>
+            <a:endParaRPr kumimoji="1" lang="en-US" altLang="ja-JP" sz="1200" b="0" i="0" u="none" strike="noStrike" kern="1200" cap="none" spc="0" normalizeH="0" baseline="0" noProof="0" dirty="0">
+              <a:ln>
+                <a:noFill/>
+              </a:ln>
+              <a:solidFill>
+                <a:schemeClr val="accent1"/>
+              </a:solidFill>
+              <a:effectLst/>
+              <a:uLnTx/>
+              <a:uFillTx/>
+              <a:latin typeface="Yu Gothic UI Semibold" panose="020B0700000000000000" pitchFamily="50" charset="-128"/>
+              <a:ea typeface="Yu Gothic UI Semibold" panose="020B0700000000000000" pitchFamily="50" charset="-128"/>
+              <a:cs typeface="+mn-cs"/>
+            </a:endParaRPr>
+          </a:p>
+        </p:txBody>
+      </p:sp>
+      <p:cxnSp>
+        <p:nvCxnSpPr>
+          <p:cNvPr id="45" name="コネクタ: カギ線 44">
+            <a:extLst>
+              <a:ext uri="{FF2B5EF4-FFF2-40B4-BE49-F238E27FC236}">
+                <a16:creationId xmlns:a16="http://schemas.microsoft.com/office/drawing/2014/main" id="{F3BC8E79-CECA-9AC2-D9EC-8DF4E5D2D7E4}"/>
+              </a:ext>
+            </a:extLst>
+          </p:cNvPr>
+          <p:cNvCxnSpPr>
+            <a:cxnSpLocks/>
+            <a:endCxn id="19" idx="1"/>
+          </p:cNvCxnSpPr>
+          <p:nvPr/>
+        </p:nvCxnSpPr>
+        <p:spPr>
+          <a:xfrm flipV="1">
+            <a:off x="2170636" y="4163652"/>
+            <a:ext cx="1555836" cy="40806"/>
+          </a:xfrm>
+          <a:prstGeom prst="bentConnector3">
+            <a:avLst>
+              <a:gd name="adj1" fmla="val 50000"/>
+            </a:avLst>
+          </a:prstGeom>
+          <a:ln w="19050">
+            <a:solidFill>
+              <a:schemeClr val="accent1"/>
+            </a:solidFill>
+            <a:headEnd type="none" w="lg" len="med"/>
+            <a:tailEnd type="triangle"/>
+          </a:ln>
+        </p:spPr>
+        <p:style>
+          <a:lnRef idx="1">
+            <a:schemeClr val="accent1"/>
+          </a:lnRef>
+          <a:fillRef idx="0">
+            <a:schemeClr val="accent1"/>
+          </a:fillRef>
+          <a:effectRef idx="0">
+            <a:schemeClr val="accent1"/>
+          </a:effectRef>
+          <a:fontRef idx="minor">
+            <a:schemeClr val="tx1"/>
+          </a:fontRef>
+        </p:style>
+      </p:cxnSp>
+      <p:cxnSp>
+        <p:nvCxnSpPr>
+          <p:cNvPr id="46" name="コネクタ: カギ線 45">
+            <a:extLst>
+              <a:ext uri="{FF2B5EF4-FFF2-40B4-BE49-F238E27FC236}">
+                <a16:creationId xmlns:a16="http://schemas.microsoft.com/office/drawing/2014/main" id="{C78050A3-0442-D653-54E0-29B7CFA6FB29}"/>
+              </a:ext>
+            </a:extLst>
+          </p:cNvPr>
+          <p:cNvCxnSpPr>
+            <a:cxnSpLocks/>
+            <a:stCxn id="19" idx="3"/>
+            <a:endCxn id="5" idx="1"/>
+          </p:cNvCxnSpPr>
+          <p:nvPr/>
+        </p:nvCxnSpPr>
+        <p:spPr>
+          <a:xfrm>
+            <a:off x="4194559" y="4163652"/>
+            <a:ext cx="1237112" cy="255765"/>
+          </a:xfrm>
+          <a:prstGeom prst="bentConnector3">
+            <a:avLst>
+              <a:gd name="adj1" fmla="val 50000"/>
+            </a:avLst>
+          </a:prstGeom>
+          <a:ln w="19050">
+            <a:solidFill>
+              <a:schemeClr val="accent1"/>
+            </a:solidFill>
+            <a:headEnd type="none" w="lg" len="med"/>
+            <a:tailEnd type="triangle"/>
+          </a:ln>
+        </p:spPr>
+        <p:style>
+          <a:lnRef idx="1">
+            <a:schemeClr val="accent1"/>
+          </a:lnRef>
+          <a:fillRef idx="0">
+            <a:schemeClr val="accent1"/>
+          </a:fillRef>
+          <a:effectRef idx="0">
+            <a:schemeClr val="accent1"/>
+          </a:effectRef>
+          <a:fontRef idx="minor">
+            <a:schemeClr val="tx1"/>
+          </a:fontRef>
+        </p:style>
+      </p:cxnSp>
+      <p:pic>
+        <p:nvPicPr>
+          <p:cNvPr id="47" name="グラフィックス 46">
+            <a:extLst>
+              <a:ext uri="{FF2B5EF4-FFF2-40B4-BE49-F238E27FC236}">
+                <a16:creationId xmlns:a16="http://schemas.microsoft.com/office/drawing/2014/main" id="{4B93E3D1-CCB5-25A2-03A0-7FA30F0EFE67}"/>
+              </a:ext>
+            </a:extLst>
+          </p:cNvPr>
+          <p:cNvPicPr>
+            <a:picLocks noChangeAspect="1"/>
+          </p:cNvPicPr>
+          <p:nvPr/>
+        </p:nvPicPr>
+        <p:blipFill>
+          <a:blip r:embed="rId13">
+            <a:extLst>
+              <a:ext uri="{28A0092B-C50C-407E-A947-70E740481C1C}">
+                <a14:useLocalDpi xmlns:a14="http://schemas.microsoft.com/office/drawing/2010/main" val="0"/>
+              </a:ext>
+              <a:ext uri="{96DAC541-7B7A-43D3-8B79-37D633B846F1}">
+                <asvg:svgBlip xmlns:asvg="http://schemas.microsoft.com/office/drawing/2016/SVG/main" r:embed="rId14"/>
+              </a:ext>
+            </a:extLst>
+          </a:blip>
+          <a:stretch>
+            <a:fillRect/>
+          </a:stretch>
+        </p:blipFill>
+        <p:spPr>
+          <a:xfrm>
+            <a:off x="9824521" y="3042019"/>
+            <a:ext cx="541354" cy="541354"/>
+          </a:xfrm>
+          <a:prstGeom prst="rect">
+            <a:avLst/>
+          </a:prstGeom>
+        </p:spPr>
+      </p:pic>
+      <p:cxnSp>
+        <p:nvCxnSpPr>
+          <p:cNvPr id="48" name="コネクタ: カギ線 47">
+            <a:extLst>
+              <a:ext uri="{FF2B5EF4-FFF2-40B4-BE49-F238E27FC236}">
+                <a16:creationId xmlns:a16="http://schemas.microsoft.com/office/drawing/2014/main" id="{BE60759B-C6FC-653A-EB45-0414E3E4F6F2}"/>
+              </a:ext>
+            </a:extLst>
+          </p:cNvPr>
+          <p:cNvCxnSpPr>
+            <a:cxnSpLocks/>
+            <a:stCxn id="16" idx="3"/>
+            <a:endCxn id="47" idx="0"/>
+          </p:cNvCxnSpPr>
+          <p:nvPr/>
+        </p:nvCxnSpPr>
+        <p:spPr>
+          <a:xfrm>
+            <a:off x="9276047" y="2344034"/>
+            <a:ext cx="819151" cy="697985"/>
+          </a:xfrm>
+          <a:prstGeom prst="bentConnector2">
+            <a:avLst/>
+          </a:prstGeom>
+          <a:ln w="19050">
+            <a:solidFill>
+              <a:schemeClr val="tx1"/>
+            </a:solidFill>
+            <a:prstDash val="sysDash"/>
+            <a:headEnd type="none" w="lg" len="med"/>
+            <a:tailEnd type="triangle"/>
+          </a:ln>
+        </p:spPr>
+        <p:style>
+          <a:lnRef idx="1">
+            <a:schemeClr val="accent1"/>
+          </a:lnRef>
+          <a:fillRef idx="0">
+            <a:schemeClr val="accent1"/>
+          </a:fillRef>
+          <a:effectRef idx="0">
+            <a:schemeClr val="accent1"/>
+          </a:effectRef>
+          <a:fontRef idx="minor">
+            <a:schemeClr val="tx1"/>
+          </a:fontRef>
+        </p:style>
+      </p:cxnSp>
+      <p:sp>
+        <p:nvSpPr>
+          <p:cNvPr id="49" name="テキスト ボックス 48">
+            <a:extLst>
+              <a:ext uri="{FF2B5EF4-FFF2-40B4-BE49-F238E27FC236}">
+                <a16:creationId xmlns:a16="http://schemas.microsoft.com/office/drawing/2014/main" id="{10D87108-7123-2735-3A05-97B3441831FB}"/>
+              </a:ext>
+            </a:extLst>
+          </p:cNvPr>
+          <p:cNvSpPr txBox="1"/>
+          <p:nvPr/>
+        </p:nvSpPr>
+        <p:spPr>
+          <a:xfrm>
+            <a:off x="8152785" y="4986114"/>
+            <a:ext cx="1970964" cy="276999"/>
+          </a:xfrm>
+          <a:prstGeom prst="rect">
+            <a:avLst/>
+          </a:prstGeom>
+          <a:noFill/>
+        </p:spPr>
+        <p:txBody>
+          <a:bodyPr wrap="square">
+            <a:spAutoFit/>
+          </a:bodyPr>
+          <a:lstStyle/>
+          <a:p>
+            <a:pPr marL="0" marR="0" lvl="0" indent="0" algn="l" defTabSz="914367" rtl="0" eaLnBrk="1" fontAlgn="auto" latinLnBrk="0" hangingPunct="1">
+              <a:lnSpc>
+                <a:spcPct val="100000"/>
+              </a:lnSpc>
+              <a:spcBef>
+                <a:spcPts val="0"/>
+              </a:spcBef>
+              <a:spcAft>
+                <a:spcPts val="0"/>
+              </a:spcAft>
+              <a:buClrTx/>
+              <a:buSzTx/>
+              <a:buFontTx/>
+              <a:buNone/>
+              <a:tabLst/>
+              <a:defRPr/>
+            </a:pPr>
+            <a:r>
+              <a:rPr kumimoji="1" lang="en-US" altLang="ja-JP" sz="1200" b="0" i="0" u="none" strike="noStrike" kern="1200" cap="none" spc="0" normalizeH="0" baseline="0" noProof="0" dirty="0">
+                <a:ln>
+                  <a:noFill/>
+                </a:ln>
+                <a:solidFill>
+                  <a:schemeClr val="accent1"/>
+                </a:solidFill>
+                <a:effectLst/>
+                <a:uLnTx/>
+                <a:uFillTx/>
+                <a:latin typeface="Yu Gothic UI Semibold" panose="020B0700000000000000" pitchFamily="50" charset="-128"/>
+                <a:ea typeface="Yu Gothic UI Semibold" panose="020B0700000000000000" pitchFamily="50" charset="-128"/>
+                <a:cs typeface="+mn-cs"/>
+              </a:rPr>
+              <a:t>Azure OpenAI Service</a:t>
+            </a:r>
+          </a:p>
+        </p:txBody>
+      </p:sp>
+      <p:pic>
+        <p:nvPicPr>
+          <p:cNvPr id="50" name="グラフィックス 49" descr="ドキュメント 枠線">
+            <a:extLst>
+              <a:ext uri="{FF2B5EF4-FFF2-40B4-BE49-F238E27FC236}">
+                <a16:creationId xmlns:a16="http://schemas.microsoft.com/office/drawing/2014/main" id="{7023D15D-094E-56BD-3BAB-4E5ABE0D295E}"/>
+              </a:ext>
+            </a:extLst>
+          </p:cNvPr>
+          <p:cNvPicPr>
+            <a:picLocks noChangeAspect="1"/>
+          </p:cNvPicPr>
+          <p:nvPr/>
+        </p:nvPicPr>
+        <p:blipFill>
+          <a:blip r:embed="rId15">
+            <a:extLst>
+              <a:ext uri="{28A0092B-C50C-407E-A947-70E740481C1C}">
+                <a14:useLocalDpi xmlns:a14="http://schemas.microsoft.com/office/drawing/2010/main" val="0"/>
+              </a:ext>
+              <a:ext uri="{96DAC541-7B7A-43D3-8B79-37D633B846F1}">
+                <asvg:svgBlip xmlns:asvg="http://schemas.microsoft.com/office/drawing/2016/SVG/main" r:embed="rId16"/>
+              </a:ext>
+            </a:extLst>
+          </a:blip>
+          <a:stretch>
+            <a:fillRect/>
+          </a:stretch>
+        </p:blipFill>
+        <p:spPr>
+          <a:xfrm>
+            <a:off x="10056362" y="3782906"/>
+            <a:ext cx="402996" cy="402996"/>
+          </a:xfrm>
+          <a:prstGeom prst="rect">
+            <a:avLst/>
+          </a:prstGeom>
+        </p:spPr>
+      </p:pic>
+      <p:pic>
+        <p:nvPicPr>
+          <p:cNvPr id="51" name="グラフィックス 50" descr="ドキュメント 枠線">
+            <a:extLst>
+              <a:ext uri="{FF2B5EF4-FFF2-40B4-BE49-F238E27FC236}">
+                <a16:creationId xmlns:a16="http://schemas.microsoft.com/office/drawing/2014/main" id="{4B7E8C43-D9D5-8B4A-512D-5B041C5914C3}"/>
+              </a:ext>
+            </a:extLst>
+          </p:cNvPr>
+          <p:cNvPicPr>
+            <a:picLocks noChangeAspect="1"/>
+          </p:cNvPicPr>
+          <p:nvPr/>
+        </p:nvPicPr>
+        <p:blipFill>
+          <a:blip r:embed="rId15">
+            <a:extLst>
+              <a:ext uri="{28A0092B-C50C-407E-A947-70E740481C1C}">
+                <a14:useLocalDpi xmlns:a14="http://schemas.microsoft.com/office/drawing/2010/main" val="0"/>
+              </a:ext>
+              <a:ext uri="{96DAC541-7B7A-43D3-8B79-37D633B846F1}">
+                <asvg:svgBlip xmlns:asvg="http://schemas.microsoft.com/office/drawing/2016/SVG/main" r:embed="rId16"/>
+              </a:ext>
+            </a:extLst>
+          </a:blip>
+          <a:stretch>
+            <a:fillRect/>
+          </a:stretch>
+        </p:blipFill>
+        <p:spPr>
+          <a:xfrm>
+            <a:off x="10378444" y="3793904"/>
+            <a:ext cx="402996" cy="402996"/>
+          </a:xfrm>
+          <a:prstGeom prst="rect">
+            <a:avLst/>
+          </a:prstGeom>
+        </p:spPr>
+      </p:pic>
+      <p:pic>
+        <p:nvPicPr>
+          <p:cNvPr id="52" name="グラフィックス 51" descr="ドキュメント 枠線">
+            <a:extLst>
+              <a:ext uri="{FF2B5EF4-FFF2-40B4-BE49-F238E27FC236}">
+                <a16:creationId xmlns:a16="http://schemas.microsoft.com/office/drawing/2014/main" id="{7BCB083F-C3E7-0987-FC3F-027279F7EAA5}"/>
+              </a:ext>
+            </a:extLst>
+          </p:cNvPr>
+          <p:cNvPicPr>
+            <a:picLocks noChangeAspect="1"/>
+          </p:cNvPicPr>
+          <p:nvPr/>
+        </p:nvPicPr>
+        <p:blipFill>
+          <a:blip r:embed="rId15">
+            <a:extLst>
+              <a:ext uri="{28A0092B-C50C-407E-A947-70E740481C1C}">
+                <a14:useLocalDpi xmlns:a14="http://schemas.microsoft.com/office/drawing/2010/main" val="0"/>
+              </a:ext>
+              <a:ext uri="{96DAC541-7B7A-43D3-8B79-37D633B846F1}">
+                <asvg:svgBlip xmlns:asvg="http://schemas.microsoft.com/office/drawing/2016/SVG/main" r:embed="rId16"/>
+              </a:ext>
+            </a:extLst>
+          </a:blip>
+          <a:stretch>
+            <a:fillRect/>
+          </a:stretch>
+        </p:blipFill>
+        <p:spPr>
+          <a:xfrm>
+            <a:off x="10709953" y="3795475"/>
+            <a:ext cx="402996" cy="402996"/>
+          </a:xfrm>
+          <a:prstGeom prst="rect">
+            <a:avLst/>
+          </a:prstGeom>
+        </p:spPr>
+      </p:pic>
+      <p:sp>
+        <p:nvSpPr>
+          <p:cNvPr id="53" name="テキスト ボックス 52">
+            <a:extLst>
+              <a:ext uri="{FF2B5EF4-FFF2-40B4-BE49-F238E27FC236}">
+                <a16:creationId xmlns:a16="http://schemas.microsoft.com/office/drawing/2014/main" id="{8F3348F4-A0B6-D383-1E7B-B49F8D22A016}"/>
+              </a:ext>
+            </a:extLst>
+          </p:cNvPr>
+          <p:cNvSpPr txBox="1"/>
+          <p:nvPr/>
+        </p:nvSpPr>
+        <p:spPr>
+          <a:xfrm>
+            <a:off x="10995545" y="3884317"/>
+            <a:ext cx="885117" cy="246221"/>
+          </a:xfrm>
+          <a:prstGeom prst="rect">
+            <a:avLst/>
+          </a:prstGeom>
+          <a:noFill/>
+        </p:spPr>
+        <p:txBody>
+          <a:bodyPr wrap="square">
+            <a:spAutoFit/>
+          </a:bodyPr>
+          <a:lstStyle/>
+          <a:p>
+            <a:pPr marL="0" marR="0" lvl="0" indent="0" algn="l" defTabSz="914367" rtl="0" eaLnBrk="1" fontAlgn="auto" latinLnBrk="0" hangingPunct="1">
+              <a:lnSpc>
+                <a:spcPct val="100000"/>
+              </a:lnSpc>
+              <a:spcBef>
+                <a:spcPts val="0"/>
+              </a:spcBef>
+              <a:spcAft>
+                <a:spcPts val="0"/>
+              </a:spcAft>
+              <a:buClrTx/>
+              <a:buSzTx/>
+              <a:buFontTx/>
+              <a:buNone/>
+              <a:tabLst/>
+              <a:defRPr/>
+            </a:pPr>
+            <a:r>
+              <a:rPr kumimoji="1" lang="ja-JP" altLang="en-US" sz="1000" b="0" i="0" u="none" strike="noStrike" kern="1200" cap="none" spc="0" normalizeH="0" baseline="0" noProof="0" dirty="0">
+                <a:ln>
+                  <a:noFill/>
+                </a:ln>
+                <a:solidFill>
+                  <a:srgbClr val="000000"/>
+                </a:solidFill>
+                <a:effectLst/>
+                <a:uLnTx/>
+                <a:uFillTx/>
+                <a:latin typeface="Yu Gothic UI Semilight" panose="020B0400000000000000" pitchFamily="50" charset="-128"/>
+                <a:ea typeface="Yu Gothic UI Semilight" panose="020B0400000000000000" pitchFamily="50" charset="-128"/>
+              </a:rPr>
+              <a:t>・・・</a:t>
+            </a:r>
+            <a:endParaRPr kumimoji="1" lang="en-US" altLang="ja-JP" sz="1000" b="0" i="0" u="none" strike="noStrike" kern="1200" cap="none" spc="0" normalizeH="0" baseline="0" noProof="0" dirty="0">
+              <a:ln>
+                <a:noFill/>
+              </a:ln>
+              <a:solidFill>
+                <a:srgbClr val="000000"/>
+              </a:solidFill>
+              <a:effectLst/>
+              <a:uLnTx/>
+              <a:uFillTx/>
+              <a:latin typeface="Yu Gothic UI Semilight" panose="020B0400000000000000" pitchFamily="50" charset="-128"/>
+              <a:ea typeface="Yu Gothic UI Semilight" panose="020B0400000000000000" pitchFamily="50" charset="-128"/>
+            </a:endParaRPr>
+          </a:p>
+        </p:txBody>
+      </p:sp>
+      <p:sp>
+        <p:nvSpPr>
+          <p:cNvPr id="54" name="テキスト ボックス 53">
+            <a:extLst>
+              <a:ext uri="{FF2B5EF4-FFF2-40B4-BE49-F238E27FC236}">
+                <a16:creationId xmlns:a16="http://schemas.microsoft.com/office/drawing/2014/main" id="{4671FDA0-FE88-4E7F-53AE-39C7FF379920}"/>
+              </a:ext>
+            </a:extLst>
+          </p:cNvPr>
+          <p:cNvSpPr txBox="1"/>
+          <p:nvPr/>
+        </p:nvSpPr>
+        <p:spPr>
+          <a:xfrm>
+            <a:off x="10017081" y="4204458"/>
+            <a:ext cx="1630840" cy="184666"/>
+          </a:xfrm>
+          <a:prstGeom prst="rect">
+            <a:avLst/>
+          </a:prstGeom>
+          <a:noFill/>
+        </p:spPr>
+        <p:txBody>
+          <a:bodyPr wrap="square" lIns="0" tIns="0" rIns="0" bIns="0" rtlCol="0">
+            <a:spAutoFit/>
+          </a:bodyPr>
+          <a:lstStyle/>
+          <a:p>
+            <a:pPr marL="0" marR="0" lvl="0" indent="0" algn="l" defTabSz="914367" rtl="0" eaLnBrk="1" fontAlgn="auto" latinLnBrk="0" hangingPunct="1">
+              <a:lnSpc>
+                <a:spcPct val="100000"/>
+              </a:lnSpc>
+              <a:spcBef>
+                <a:spcPts val="0"/>
+              </a:spcBef>
+              <a:spcAft>
+                <a:spcPts val="0"/>
+              </a:spcAft>
+              <a:buClrTx/>
+              <a:buSzTx/>
+              <a:buFontTx/>
+              <a:buNone/>
+              <a:tabLst/>
+              <a:defRPr/>
+            </a:pPr>
+            <a:r>
+              <a:rPr kumimoji="1" lang="ja-JP" altLang="en-US" sz="1200" b="0" i="0" u="none" strike="noStrike" kern="1200" cap="none" spc="0" normalizeH="0" baseline="0" noProof="0" dirty="0">
+                <a:ln>
+                  <a:noFill/>
+                </a:ln>
+                <a:solidFill>
+                  <a:srgbClr val="243A5E">
+                    <a:lumMod val="60000"/>
+                    <a:lumOff val="40000"/>
+                  </a:srgbClr>
+                </a:solidFill>
+                <a:effectLst/>
+                <a:uLnTx/>
+                <a:uFillTx/>
+                <a:latin typeface="Segoe UI"/>
+                <a:ea typeface="Yu Gothic UI"/>
+                <a:cs typeface="+mn-cs"/>
+              </a:rPr>
+              <a:t>テキスト化されたデータ群</a:t>
+            </a:r>
+            <a:endParaRPr kumimoji="1" lang="en-US" altLang="ja-JP" sz="1200" b="0" i="0" u="none" strike="noStrike" kern="1200" cap="none" spc="0" normalizeH="0" baseline="0" noProof="0" dirty="0">
+              <a:ln>
+                <a:noFill/>
+              </a:ln>
+              <a:solidFill>
+                <a:srgbClr val="243A5E">
+                  <a:lumMod val="60000"/>
+                  <a:lumOff val="40000"/>
+                </a:srgbClr>
+              </a:solidFill>
+              <a:effectLst/>
+              <a:uLnTx/>
+              <a:uFillTx/>
+              <a:latin typeface="Segoe UI"/>
+              <a:ea typeface="Yu Gothic UI"/>
+              <a:cs typeface="+mn-cs"/>
+            </a:endParaRPr>
+          </a:p>
+        </p:txBody>
+      </p:sp>
+      <p:sp>
+        <p:nvSpPr>
+          <p:cNvPr id="56" name="正方形/長方形 55">
+            <a:extLst>
+              <a:ext uri="{FF2B5EF4-FFF2-40B4-BE49-F238E27FC236}">
+                <a16:creationId xmlns:a16="http://schemas.microsoft.com/office/drawing/2014/main" id="{F9B6280C-772F-8228-86EC-F9E02047B4CA}"/>
               </a:ext>
             </a:extLst>
           </p:cNvPr>
@@ -15886,8 +16321,8 @@
         </p:nvSpPr>
         <p:spPr>
           <a:xfrm>
-            <a:off x="638026" y="2201493"/>
-            <a:ext cx="1841886" cy="1414733"/>
+            <a:off x="396121" y="943583"/>
+            <a:ext cx="11607811" cy="4513634"/>
           </a:xfrm>
           <a:prstGeom prst="rect">
             <a:avLst/>
@@ -15958,12 +16393,98 @@
           </a:p>
         </p:txBody>
       </p:sp>
+      <p:pic>
+        <p:nvPicPr>
+          <p:cNvPr id="57" name="Picture 2" descr="App Service の料金 | Microsoft Azure">
+            <a:extLst>
+              <a:ext uri="{FF2B5EF4-FFF2-40B4-BE49-F238E27FC236}">
+                <a16:creationId xmlns:a16="http://schemas.microsoft.com/office/drawing/2014/main" id="{13797CF2-DEAE-0885-B71D-D4E3477E9DA8}"/>
+              </a:ext>
+            </a:extLst>
+          </p:cNvPr>
+          <p:cNvPicPr>
+            <a:picLocks noChangeAspect="1" noChangeArrowheads="1"/>
+          </p:cNvPicPr>
+          <p:nvPr/>
+        </p:nvPicPr>
+        <p:blipFill>
+          <a:blip r:embed="rId17">
+            <a:extLst>
+              <a:ext uri="{28A0092B-C50C-407E-A947-70E740481C1C}">
+                <a14:useLocalDpi xmlns:a14="http://schemas.microsoft.com/office/drawing/2010/main" val="0"/>
+              </a:ext>
+            </a:extLst>
+          </a:blip>
+          <a:srcRect/>
+          <a:stretch>
+            <a:fillRect/>
+          </a:stretch>
+        </p:blipFill>
+        <p:spPr bwMode="auto">
+          <a:xfrm>
+            <a:off x="223737" y="372387"/>
+            <a:ext cx="866573" cy="454951"/>
+          </a:xfrm>
+          <a:prstGeom prst="rect">
+            <a:avLst/>
+          </a:prstGeom>
+          <a:noFill/>
+          <a:extLst>
+            <a:ext uri="{909E8E84-426E-40DD-AFC4-6F175D3DCCD1}">
+              <a14:hiddenFill xmlns:a14="http://schemas.microsoft.com/office/drawing/2010/main">
+                <a:solidFill>
+                  <a:srgbClr val="FFFFFF"/>
+                </a:solidFill>
+              </a14:hiddenFill>
+            </a:ext>
+          </a:extLst>
+        </p:spPr>
+      </p:pic>
+      <p:pic>
+        <p:nvPicPr>
+          <p:cNvPr id="60" name="グラフィックス 59">
+            <a:extLst>
+              <a:ext uri="{FF2B5EF4-FFF2-40B4-BE49-F238E27FC236}">
+                <a16:creationId xmlns:a16="http://schemas.microsoft.com/office/drawing/2014/main" id="{DDD39909-E5DD-5A79-C071-7AA902A7977F}"/>
+              </a:ext>
+            </a:extLst>
+          </p:cNvPr>
+          <p:cNvPicPr>
+            <a:picLocks noChangeAspect="1"/>
+          </p:cNvPicPr>
+          <p:nvPr/>
+        </p:nvPicPr>
+        <p:blipFill>
+          <a:blip r:embed="rId18">
+            <a:extLst>
+              <a:ext uri="{28A0092B-C50C-407E-A947-70E740481C1C}">
+                <a14:useLocalDpi xmlns:a14="http://schemas.microsoft.com/office/drawing/2010/main" val="0"/>
+              </a:ext>
+              <a:ext uri="{96DAC541-7B7A-43D3-8B79-37D633B846F1}">
+                <asvg:svgBlip xmlns:asvg="http://schemas.microsoft.com/office/drawing/2016/SVG/main" r:embed="rId19"/>
+              </a:ext>
+            </a:extLst>
+          </a:blip>
+          <a:stretch>
+            <a:fillRect/>
+          </a:stretch>
+        </p:blipFill>
+        <p:spPr>
+          <a:xfrm>
+            <a:off x="1643488" y="4763514"/>
+            <a:ext cx="662900" cy="662900"/>
+          </a:xfrm>
+          <a:prstGeom prst="rect">
+            <a:avLst/>
+          </a:prstGeom>
+        </p:spPr>
+      </p:pic>
       <p:sp>
         <p:nvSpPr>
-          <p:cNvPr id="39" name="テキスト ボックス 38">
-            <a:extLst>
-              <a:ext uri="{FF2B5EF4-FFF2-40B4-BE49-F238E27FC236}">
-                <a16:creationId xmlns:a16="http://schemas.microsoft.com/office/drawing/2014/main" id="{89C473A5-60FF-FE0E-1D75-891F7CF15E43}"/>
+          <p:cNvPr id="61" name="テキスト ボックス 60">
+            <a:extLst>
+              <a:ext uri="{FF2B5EF4-FFF2-40B4-BE49-F238E27FC236}">
+                <a16:creationId xmlns:a16="http://schemas.microsoft.com/office/drawing/2014/main" id="{CBA293DD-6D57-98CB-FF08-D8333A5B877A}"/>
               </a:ext>
             </a:extLst>
           </p:cNvPr>
@@ -15972,24 +16493,21 @@
         </p:nvSpPr>
         <p:spPr>
           <a:xfrm>
-            <a:off x="577978" y="1908488"/>
-            <a:ext cx="3349957" cy="276999"/>
+            <a:off x="1303953" y="4454526"/>
+            <a:ext cx="1341970" cy="246221"/>
           </a:xfrm>
           <a:prstGeom prst="rect">
             <a:avLst/>
           </a:prstGeom>
           <a:noFill/>
-          <a:ln w="19050">
-            <a:noFill/>
-          </a:ln>
         </p:spPr>
         <p:txBody>
-          <a:bodyPr wrap="square" rtlCol="0">
+          <a:bodyPr wrap="square">
             <a:spAutoFit/>
           </a:bodyPr>
           <a:lstStyle/>
           <a:p>
-            <a:pPr marL="0" marR="0" lvl="0" indent="0" algn="l" defTabSz="914367" rtl="0" eaLnBrk="1" fontAlgn="auto" latinLnBrk="0" hangingPunct="1">
+            <a:pPr marL="0" marR="0" lvl="0" indent="0" algn="ctr" defTabSz="914367" rtl="0" eaLnBrk="1" fontAlgn="auto" latinLnBrk="0" hangingPunct="1">
               <a:lnSpc>
                 <a:spcPct val="100000"/>
               </a:lnSpc>
@@ -16007,31 +16525,63 @@
               <a:defRPr/>
             </a:pPr>
             <a:r>
-              <a:rPr kumimoji="1" lang="en-US" altLang="ja-JP" sz="1200" b="0" i="0" u="none" strike="noStrike" kern="1200" cap="none" spc="0" normalizeH="0" baseline="0" noProof="0" dirty="0">
-                <a:ln>
-                  <a:noFill/>
-                </a:ln>
-                <a:solidFill>
-                  <a:schemeClr val="accent1"/>
-                </a:solidFill>
-                <a:effectLst/>
-                <a:uLnTx/>
-                <a:uFillTx/>
+              <a:rPr kumimoji="1" lang="en-US" altLang="ja-JP" sz="1000" dirty="0">
+                <a:solidFill>
+                  <a:srgbClr val="000000"/>
+                </a:solidFill>
                 <a:latin typeface="Yu Gothic UI Semibold" panose="020B0700000000000000" pitchFamily="50" charset="-128"/>
                 <a:ea typeface="Yu Gothic UI Semibold" panose="020B0700000000000000" pitchFamily="50" charset="-128"/>
-                <a:cs typeface="+mn-cs"/>
               </a:rPr>
-              <a:t>Static Web Apps</a:t>
+              <a:t>Application Insights</a:t>
             </a:r>
           </a:p>
         </p:txBody>
       </p:sp>
+      <p:pic>
+        <p:nvPicPr>
+          <p:cNvPr id="63" name="グラフィックス 62">
+            <a:extLst>
+              <a:ext uri="{FF2B5EF4-FFF2-40B4-BE49-F238E27FC236}">
+                <a16:creationId xmlns:a16="http://schemas.microsoft.com/office/drawing/2014/main" id="{2EB3B1F8-301C-3FC0-935A-DAAF6BA95171}"/>
+              </a:ext>
+            </a:extLst>
+          </p:cNvPr>
+          <p:cNvPicPr>
+            <a:picLocks noChangeAspect="1"/>
+          </p:cNvPicPr>
+          <p:nvPr/>
+        </p:nvPicPr>
+        <p:blipFill>
+          <a:blip r:embed="rId20">
+            <a:extLst>
+              <a:ext uri="{28A0092B-C50C-407E-A947-70E740481C1C}">
+                <a14:useLocalDpi xmlns:a14="http://schemas.microsoft.com/office/drawing/2010/main" val="0"/>
+              </a:ext>
+              <a:ext uri="{96DAC541-7B7A-43D3-8B79-37D633B846F1}">
+                <asvg:svgBlip xmlns:asvg="http://schemas.microsoft.com/office/drawing/2016/SVG/main" r:embed="rId21"/>
+              </a:ext>
+            </a:extLst>
+          </a:blip>
+          <a:stretch>
+            <a:fillRect/>
+          </a:stretch>
+        </p:blipFill>
+        <p:spPr>
+          <a:xfrm>
+            <a:off x="685315" y="4782967"/>
+            <a:ext cx="575351" cy="575351"/>
+          </a:xfrm>
+          <a:prstGeom prst="rect">
+            <a:avLst/>
+          </a:prstGeom>
+        </p:spPr>
+      </p:pic>
       <p:sp>
         <p:nvSpPr>
-          <p:cNvPr id="40" name="テキスト ボックス 39">
-            <a:extLst>
-              <a:ext uri="{FF2B5EF4-FFF2-40B4-BE49-F238E27FC236}">
-                <a16:creationId xmlns:a16="http://schemas.microsoft.com/office/drawing/2014/main" id="{9645588C-E8B1-F799-A0AF-8CDFFB3356F7}"/>
+          <p:cNvPr id="64" name="テキスト ボックス 63">
+            <a:extLst>
+              <a:ext uri="{FF2B5EF4-FFF2-40B4-BE49-F238E27FC236}">
+                <a16:creationId xmlns:a16="http://schemas.microsoft.com/office/drawing/2014/main" id="{D6BDD0C6-7B20-FE02-56CC-D360CB8F530D}"/>
               </a:ext>
             </a:extLst>
           </p:cNvPr>
@@ -16040,24 +16590,21 @@
         </p:nvSpPr>
         <p:spPr>
           <a:xfrm>
-            <a:off x="750735" y="2210534"/>
-            <a:ext cx="2392393" cy="323165"/>
+            <a:off x="603563" y="4464253"/>
+            <a:ext cx="738854" cy="246221"/>
           </a:xfrm>
           <a:prstGeom prst="rect">
             <a:avLst/>
           </a:prstGeom>
           <a:noFill/>
-          <a:ln w="19050">
-            <a:noFill/>
-          </a:ln>
         </p:spPr>
         <p:txBody>
-          <a:bodyPr wrap="square" rtlCol="0">
+          <a:bodyPr wrap="square">
             <a:spAutoFit/>
           </a:bodyPr>
           <a:lstStyle/>
           <a:p>
-            <a:pPr marL="0" marR="0" lvl="0" indent="0" algn="l" defTabSz="914367" rtl="0" eaLnBrk="1" fontAlgn="auto" latinLnBrk="0" hangingPunct="1">
+            <a:pPr marL="0" marR="0" lvl="0" indent="0" algn="ctr" defTabSz="914367" rtl="0" eaLnBrk="1" fontAlgn="auto" latinLnBrk="0" hangingPunct="1">
               <a:lnSpc>
                 <a:spcPct val="100000"/>
               </a:lnSpc>
@@ -16075,31 +16622,24 @@
               <a:defRPr/>
             </a:pPr>
             <a:r>
-              <a:rPr kumimoji="1" lang="en-US" altLang="ja-JP" sz="1500" b="0" i="0" u="none" strike="noStrike" kern="1200" cap="none" spc="0" normalizeH="0" baseline="0" noProof="0" dirty="0">
-                <a:ln>
-                  <a:noFill/>
-                </a:ln>
+              <a:rPr kumimoji="1" lang="en-US" altLang="ja-JP" sz="1000" dirty="0">
                 <a:solidFill>
                   <a:srgbClr val="000000"/>
                 </a:solidFill>
-                <a:effectLst/>
-                <a:uLnTx/>
-                <a:uFillTx/>
                 <a:latin typeface="Yu Gothic UI Semibold" panose="020B0700000000000000" pitchFamily="50" charset="-128"/>
                 <a:ea typeface="Yu Gothic UI Semibold" panose="020B0700000000000000" pitchFamily="50" charset="-128"/>
-                <a:cs typeface="+mn-cs"/>
               </a:rPr>
-              <a:t>Frontend</a:t>
+              <a:t>KeyVault</a:t>
             </a:r>
           </a:p>
         </p:txBody>
       </p:sp>
       <p:pic>
         <p:nvPicPr>
-          <p:cNvPr id="41" name="グラフィックス 40">
-            <a:extLst>
-              <a:ext uri="{FF2B5EF4-FFF2-40B4-BE49-F238E27FC236}">
-                <a16:creationId xmlns:a16="http://schemas.microsoft.com/office/drawing/2014/main" id="{DEF8C968-8337-D25E-762A-CD4CCF7664B6}"/>
+          <p:cNvPr id="66" name="グラフィックス 65">
+            <a:extLst>
+              <a:ext uri="{FF2B5EF4-FFF2-40B4-BE49-F238E27FC236}">
+                <a16:creationId xmlns:a16="http://schemas.microsoft.com/office/drawing/2014/main" id="{A51DC148-7C6D-63E7-AD27-A9D59FDA5A43}"/>
               </a:ext>
             </a:extLst>
           </p:cNvPr>
@@ -16109,10 +16649,13 @@
           <p:nvPr/>
         </p:nvPicPr>
         <p:blipFill>
-          <a:blip r:embed="rId14">
-            <a:extLst>
+          <a:blip r:embed="rId22">
+            <a:extLst>
+              <a:ext uri="{28A0092B-C50C-407E-A947-70E740481C1C}">
+                <a14:useLocalDpi xmlns:a14="http://schemas.microsoft.com/office/drawing/2010/main" val="0"/>
+              </a:ext>
               <a:ext uri="{96DAC541-7B7A-43D3-8B79-37D633B846F1}">
-                <asvg:svgBlip xmlns:asvg="http://schemas.microsoft.com/office/drawing/2016/SVG/main" r:embed="rId15"/>
+                <asvg:svgBlip xmlns:asvg="http://schemas.microsoft.com/office/drawing/2016/SVG/main" r:embed="rId23"/>
               </a:ext>
             </a:extLst>
           </a:blip>
@@ -16122,38 +16665,8 @@
         </p:blipFill>
         <p:spPr>
           <a:xfrm>
-            <a:off x="2287936" y="1990686"/>
-            <a:ext cx="442284" cy="442284"/>
-          </a:xfrm>
-          <a:prstGeom prst="rect">
-            <a:avLst/>
-          </a:prstGeom>
-        </p:spPr>
-      </p:pic>
-      <p:pic>
-        <p:nvPicPr>
-          <p:cNvPr id="42" name="図 41">
-            <a:extLst>
-              <a:ext uri="{FF2B5EF4-FFF2-40B4-BE49-F238E27FC236}">
-                <a16:creationId xmlns:a16="http://schemas.microsoft.com/office/drawing/2014/main" id="{4152D562-99B1-53F1-DAFE-07CD00C1BC12}"/>
-              </a:ext>
-            </a:extLst>
-          </p:cNvPr>
-          <p:cNvPicPr>
-            <a:picLocks noChangeAspect="1"/>
-          </p:cNvPicPr>
-          <p:nvPr/>
-        </p:nvPicPr>
-        <p:blipFill>
-          <a:blip r:embed="rId16"/>
-          <a:stretch>
-            <a:fillRect/>
-          </a:stretch>
-        </p:blipFill>
-        <p:spPr>
-          <a:xfrm>
-            <a:off x="1111957" y="2655106"/>
-            <a:ext cx="865184" cy="486666"/>
+            <a:off x="7049349" y="1491405"/>
+            <a:ext cx="479696" cy="479696"/>
           </a:xfrm>
           <a:prstGeom prst="rect">
             <a:avLst/>
@@ -16162,10 +16675,10 @@
       </p:pic>
       <p:sp>
         <p:nvSpPr>
-          <p:cNvPr id="43" name="テキスト ボックス 42">
-            <a:extLst>
-              <a:ext uri="{FF2B5EF4-FFF2-40B4-BE49-F238E27FC236}">
-                <a16:creationId xmlns:a16="http://schemas.microsoft.com/office/drawing/2014/main" id="{D9C441EA-21E1-0FA5-C591-7284CA5020D5}"/>
+          <p:cNvPr id="67" name="テキスト ボックス 66">
+            <a:extLst>
+              <a:ext uri="{FF2B5EF4-FFF2-40B4-BE49-F238E27FC236}">
+                <a16:creationId xmlns:a16="http://schemas.microsoft.com/office/drawing/2014/main" id="{D85E58D3-7AEB-4DE3-C660-442A79E1072B}"/>
               </a:ext>
             </a:extLst>
           </p:cNvPr>
@@ -16174,19 +16687,16 @@
         </p:nvSpPr>
         <p:spPr>
           <a:xfrm>
-            <a:off x="1210657" y="3085422"/>
-            <a:ext cx="2392393" cy="323165"/>
+            <a:off x="10386905" y="2203554"/>
+            <a:ext cx="1393291" cy="276999"/>
           </a:xfrm>
           <a:prstGeom prst="rect">
             <a:avLst/>
           </a:prstGeom>
           <a:noFill/>
-          <a:ln w="19050">
-            <a:noFill/>
-          </a:ln>
         </p:spPr>
         <p:txBody>
-          <a:bodyPr wrap="square" rtlCol="0">
+          <a:bodyPr wrap="square">
             <a:spAutoFit/>
           </a:bodyPr>
           <a:lstStyle/>
@@ -16209,215 +16719,78 @@
               <a:defRPr/>
             </a:pPr>
             <a:r>
-              <a:rPr kumimoji="1" lang="en-US" altLang="ja-JP" sz="1500" b="0" i="0" u="none" strike="noStrike" kern="1200" cap="none" spc="0" normalizeH="0" baseline="0" noProof="0" dirty="0">
+              <a:rPr kumimoji="1" lang="en-US" altLang="ja-JP" sz="1200" b="0" i="0" u="none" strike="noStrike" kern="1200" cap="none" spc="0" normalizeH="0" baseline="0" noProof="0" dirty="0">
                 <a:ln>
                   <a:noFill/>
                 </a:ln>
                 <a:solidFill>
-                  <a:srgbClr val="000000"/>
+                  <a:schemeClr val="accent1"/>
                 </a:solidFill>
                 <a:effectLst/>
                 <a:uLnTx/>
                 <a:uFillTx/>
-                <a:latin typeface="Yu Gothic UI Semilight" panose="020B0400000000000000" pitchFamily="50" charset="-128"/>
-                <a:ea typeface="Yu Gothic UI Semilight" panose="020B0400000000000000" pitchFamily="50" charset="-128"/>
+                <a:latin typeface="Yu Gothic UI Semibold" panose="020B0700000000000000" pitchFamily="50" charset="-128"/>
+                <a:ea typeface="Yu Gothic UI Semibold" panose="020B0700000000000000" pitchFamily="50" charset="-128"/>
+                <a:cs typeface="+mn-cs"/>
               </a:rPr>
-              <a:t>React</a:t>
+              <a:t>Form Recognizer</a:t>
             </a:r>
           </a:p>
         </p:txBody>
       </p:sp>
-      <p:cxnSp>
-        <p:nvCxnSpPr>
-          <p:cNvPr id="45" name="コネクタ: カギ線 44">
-            <a:extLst>
-              <a:ext uri="{FF2B5EF4-FFF2-40B4-BE49-F238E27FC236}">
-                <a16:creationId xmlns:a16="http://schemas.microsoft.com/office/drawing/2014/main" id="{F3BC8E79-CECA-9AC2-D9EC-8DF4E5D2D7E4}"/>
-              </a:ext>
-            </a:extLst>
-          </p:cNvPr>
-          <p:cNvCxnSpPr>
-            <a:cxnSpLocks/>
-            <a:stCxn id="37" idx="3"/>
-            <a:endCxn id="19" idx="1"/>
-          </p:cNvCxnSpPr>
-          <p:nvPr/>
-        </p:nvCxnSpPr>
-        <p:spPr>
-          <a:xfrm>
-            <a:off x="2321196" y="2994252"/>
-            <a:ext cx="1301588" cy="2142"/>
-          </a:xfrm>
-          <a:prstGeom prst="bentConnector3">
-            <a:avLst>
-              <a:gd name="adj1" fmla="val 50000"/>
-            </a:avLst>
-          </a:prstGeom>
-          <a:ln w="19050">
-            <a:solidFill>
-              <a:schemeClr val="accent1"/>
-            </a:solidFill>
-            <a:headEnd type="none" w="lg" len="med"/>
-            <a:tailEnd type="triangle"/>
-          </a:ln>
-        </p:spPr>
-        <p:style>
-          <a:lnRef idx="1">
-            <a:schemeClr val="accent1"/>
-          </a:lnRef>
-          <a:fillRef idx="0">
-            <a:schemeClr val="accent1"/>
-          </a:fillRef>
-          <a:effectRef idx="0">
-            <a:schemeClr val="accent1"/>
-          </a:effectRef>
-          <a:fontRef idx="minor">
-            <a:schemeClr val="tx1"/>
-          </a:fontRef>
-        </p:style>
-      </p:cxnSp>
-      <p:cxnSp>
-        <p:nvCxnSpPr>
-          <p:cNvPr id="46" name="コネクタ: カギ線 45">
-            <a:extLst>
-              <a:ext uri="{FF2B5EF4-FFF2-40B4-BE49-F238E27FC236}">
-                <a16:creationId xmlns:a16="http://schemas.microsoft.com/office/drawing/2014/main" id="{C78050A3-0442-D653-54E0-29B7CFA6FB29}"/>
-              </a:ext>
-            </a:extLst>
-          </p:cNvPr>
-          <p:cNvCxnSpPr>
-            <a:cxnSpLocks/>
-            <a:stCxn id="19" idx="3"/>
-            <a:endCxn id="5" idx="1"/>
-          </p:cNvCxnSpPr>
-          <p:nvPr/>
-        </p:nvCxnSpPr>
-        <p:spPr>
-          <a:xfrm>
-            <a:off x="4090871" y="2996394"/>
-            <a:ext cx="1321105" cy="882203"/>
-          </a:xfrm>
-          <a:prstGeom prst="bentConnector3">
-            <a:avLst>
-              <a:gd name="adj1" fmla="val 50000"/>
-            </a:avLst>
-          </a:prstGeom>
-          <a:ln w="19050">
-            <a:solidFill>
-              <a:schemeClr val="accent1"/>
-            </a:solidFill>
-            <a:headEnd type="none" w="lg" len="med"/>
-            <a:tailEnd type="triangle"/>
-          </a:ln>
-        </p:spPr>
-        <p:style>
-          <a:lnRef idx="1">
-            <a:schemeClr val="accent1"/>
-          </a:lnRef>
-          <a:fillRef idx="0">
-            <a:schemeClr val="accent1"/>
-          </a:fillRef>
-          <a:effectRef idx="0">
-            <a:schemeClr val="accent1"/>
-          </a:effectRef>
-          <a:fontRef idx="minor">
-            <a:schemeClr val="tx1"/>
-          </a:fontRef>
-        </p:style>
-      </p:cxnSp>
       <p:pic>
         <p:nvPicPr>
-          <p:cNvPr id="47" name="グラフィックス 46">
-            <a:extLst>
-              <a:ext uri="{FF2B5EF4-FFF2-40B4-BE49-F238E27FC236}">
-                <a16:creationId xmlns:a16="http://schemas.microsoft.com/office/drawing/2014/main" id="{4B93E3D1-CCB5-25A2-03A0-7FA30F0EFE67}"/>
+          <p:cNvPr id="1026" name="Picture 2" descr="PowerShell Gallery | SimonWahlin">
+            <a:extLst>
+              <a:ext uri="{FF2B5EF4-FFF2-40B4-BE49-F238E27FC236}">
+                <a16:creationId xmlns:a16="http://schemas.microsoft.com/office/drawing/2014/main" id="{B744C29B-EC08-35AA-2CE9-1AA5DA3FCE90}"/>
               </a:ext>
             </a:extLst>
           </p:cNvPr>
           <p:cNvPicPr>
-            <a:picLocks noChangeAspect="1"/>
+            <a:picLocks noChangeAspect="1" noChangeArrowheads="1"/>
           </p:cNvPicPr>
           <p:nvPr/>
         </p:nvPicPr>
         <p:blipFill>
-          <a:blip r:embed="rId17">
+          <a:blip r:embed="rId24">
             <a:extLst>
               <a:ext uri="{28A0092B-C50C-407E-A947-70E740481C1C}">
                 <a14:useLocalDpi xmlns:a14="http://schemas.microsoft.com/office/drawing/2010/main" val="0"/>
               </a:ext>
-              <a:ext uri="{96DAC541-7B7A-43D3-8B79-37D633B846F1}">
-                <asvg:svgBlip xmlns:asvg="http://schemas.microsoft.com/office/drawing/2016/SVG/main" r:embed="rId18"/>
-              </a:ext>
             </a:extLst>
           </a:blip>
+          <a:srcRect/>
           <a:stretch>
             <a:fillRect/>
           </a:stretch>
         </p:blipFill>
-        <p:spPr>
-          <a:xfrm>
-            <a:off x="9824521" y="3042019"/>
-            <a:ext cx="541354" cy="541354"/>
-          </a:xfrm>
-          <a:prstGeom prst="rect">
-            <a:avLst/>
-          </a:prstGeom>
+        <p:spPr bwMode="auto">
+          <a:xfrm>
+            <a:off x="700393" y="5941979"/>
+            <a:ext cx="612842" cy="612842"/>
+          </a:xfrm>
+          <a:prstGeom prst="rect">
+            <a:avLst/>
+          </a:prstGeom>
+          <a:noFill/>
+          <a:extLst>
+            <a:ext uri="{909E8E84-426E-40DD-AFC4-6F175D3DCCD1}">
+              <a14:hiddenFill xmlns:a14="http://schemas.microsoft.com/office/drawing/2010/main">
+                <a:solidFill>
+                  <a:srgbClr val="FFFFFF"/>
+                </a:solidFill>
+              </a14:hiddenFill>
+            </a:ext>
+          </a:extLst>
         </p:spPr>
       </p:pic>
-      <p:cxnSp>
-        <p:nvCxnSpPr>
-          <p:cNvPr id="48" name="コネクタ: カギ線 47">
-            <a:extLst>
-              <a:ext uri="{FF2B5EF4-FFF2-40B4-BE49-F238E27FC236}">
-                <a16:creationId xmlns:a16="http://schemas.microsoft.com/office/drawing/2014/main" id="{BE60759B-C6FC-653A-EB45-0414E3E4F6F2}"/>
-              </a:ext>
-            </a:extLst>
-          </p:cNvPr>
-          <p:cNvCxnSpPr>
-            <a:cxnSpLocks/>
-            <a:stCxn id="16" idx="3"/>
-            <a:endCxn id="47" idx="0"/>
-          </p:cNvCxnSpPr>
-          <p:nvPr/>
-        </p:nvCxnSpPr>
-        <p:spPr>
-          <a:xfrm>
-            <a:off x="9276047" y="2344034"/>
-            <a:ext cx="819151" cy="697985"/>
-          </a:xfrm>
-          <a:prstGeom prst="bentConnector2">
-            <a:avLst/>
-          </a:prstGeom>
-          <a:ln w="19050">
-            <a:solidFill>
-              <a:schemeClr val="tx1"/>
-            </a:solidFill>
-            <a:prstDash val="sysDash"/>
-            <a:headEnd type="none" w="lg" len="med"/>
-            <a:tailEnd type="triangle"/>
-          </a:ln>
-        </p:spPr>
-        <p:style>
-          <a:lnRef idx="1">
-            <a:schemeClr val="accent1"/>
-          </a:lnRef>
-          <a:fillRef idx="0">
-            <a:schemeClr val="accent1"/>
-          </a:fillRef>
-          <a:effectRef idx="0">
-            <a:schemeClr val="accent1"/>
-          </a:effectRef>
-          <a:fontRef idx="minor">
-            <a:schemeClr val="tx1"/>
-          </a:fontRef>
-        </p:style>
-      </p:cxnSp>
       <p:sp>
         <p:nvSpPr>
-          <p:cNvPr id="49" name="テキスト ボックス 48">
-            <a:extLst>
-              <a:ext uri="{FF2B5EF4-FFF2-40B4-BE49-F238E27FC236}">
-                <a16:creationId xmlns:a16="http://schemas.microsoft.com/office/drawing/2014/main" id="{10D87108-7123-2735-3A05-97B3441831FB}"/>
+          <p:cNvPr id="68" name="テキスト ボックス 67">
+            <a:extLst>
+              <a:ext uri="{FF2B5EF4-FFF2-40B4-BE49-F238E27FC236}">
+                <a16:creationId xmlns:a16="http://schemas.microsoft.com/office/drawing/2014/main" id="{3B56BCE4-1773-6B1C-9113-E89B4E494C6B}"/>
               </a:ext>
             </a:extLst>
           </p:cNvPr>
@@ -16426,8 +16799,8 @@
         </p:nvSpPr>
         <p:spPr>
           <a:xfrm>
-            <a:off x="8152785" y="4986114"/>
-            <a:ext cx="1970964" cy="276999"/>
+            <a:off x="629504" y="5608874"/>
+            <a:ext cx="738854" cy="246221"/>
           </a:xfrm>
           <a:prstGeom prst="rect">
             <a:avLst/>
@@ -16440,7 +16813,7 @@
           </a:bodyPr>
           <a:lstStyle/>
           <a:p>
-            <a:pPr marL="0" marR="0" lvl="0" indent="0" algn="l" defTabSz="914367" rtl="0" eaLnBrk="1" fontAlgn="auto" latinLnBrk="0" hangingPunct="1">
+            <a:pPr marL="0" marR="0" lvl="0" indent="0" algn="ctr" defTabSz="914367" rtl="0" eaLnBrk="1" fontAlgn="auto" latinLnBrk="0" hangingPunct="1">
               <a:lnSpc>
                 <a:spcPct val="100000"/>
               </a:lnSpc>
@@ -16458,332 +16831,47 @@
               <a:defRPr/>
             </a:pPr>
             <a:r>
-              <a:rPr kumimoji="1" lang="en-US" altLang="ja-JP" sz="1200" b="0" i="0" u="none" strike="noStrike" kern="1200" cap="none" spc="0" normalizeH="0" baseline="0" noProof="0" dirty="0">
-                <a:ln>
-                  <a:noFill/>
-                </a:ln>
-                <a:solidFill>
-                  <a:schemeClr val="accent1"/>
-                </a:solidFill>
-                <a:effectLst/>
-                <a:uLnTx/>
-                <a:uFillTx/>
+              <a:rPr kumimoji="1" lang="en-US" altLang="ja-JP" sz="1000" dirty="0">
+                <a:solidFill>
+                  <a:srgbClr val="000000"/>
+                </a:solidFill>
                 <a:latin typeface="Yu Gothic UI Semibold" panose="020B0700000000000000" pitchFamily="50" charset="-128"/>
                 <a:ea typeface="Yu Gothic UI Semibold" panose="020B0700000000000000" pitchFamily="50" charset="-128"/>
-                <a:cs typeface="+mn-cs"/>
               </a:rPr>
-              <a:t>Azure OpenAI Service</a:t>
-            </a:r>
-          </a:p>
-        </p:txBody>
-      </p:sp>
-      <p:pic>
-        <p:nvPicPr>
-          <p:cNvPr id="50" name="グラフィックス 49" descr="ドキュメント 枠線">
-            <a:extLst>
-              <a:ext uri="{FF2B5EF4-FFF2-40B4-BE49-F238E27FC236}">
-                <a16:creationId xmlns:a16="http://schemas.microsoft.com/office/drawing/2014/main" id="{7023D15D-094E-56BD-3BAB-4E5ABE0D295E}"/>
-              </a:ext>
-            </a:extLst>
-          </p:cNvPr>
-          <p:cNvPicPr>
-            <a:picLocks noChangeAspect="1"/>
-          </p:cNvPicPr>
-          <p:nvPr/>
-        </p:nvPicPr>
-        <p:blipFill>
-          <a:blip r:embed="rId19">
-            <a:extLst>
-              <a:ext uri="{28A0092B-C50C-407E-A947-70E740481C1C}">
-                <a14:useLocalDpi xmlns:a14="http://schemas.microsoft.com/office/drawing/2010/main" val="0"/>
-              </a:ext>
-              <a:ext uri="{96DAC541-7B7A-43D3-8B79-37D633B846F1}">
-                <asvg:svgBlip xmlns:asvg="http://schemas.microsoft.com/office/drawing/2016/SVG/main" r:embed="rId20"/>
-              </a:ext>
-            </a:extLst>
-          </a:blip>
-          <a:stretch>
-            <a:fillRect/>
-          </a:stretch>
-        </p:blipFill>
-        <p:spPr>
-          <a:xfrm>
-            <a:off x="10056362" y="3782906"/>
-            <a:ext cx="402996" cy="402996"/>
-          </a:xfrm>
-          <a:prstGeom prst="rect">
-            <a:avLst/>
-          </a:prstGeom>
-        </p:spPr>
-      </p:pic>
-      <p:pic>
-        <p:nvPicPr>
-          <p:cNvPr id="51" name="グラフィックス 50" descr="ドキュメント 枠線">
-            <a:extLst>
-              <a:ext uri="{FF2B5EF4-FFF2-40B4-BE49-F238E27FC236}">
-                <a16:creationId xmlns:a16="http://schemas.microsoft.com/office/drawing/2014/main" id="{4B7E8C43-D9D5-8B4A-512D-5B041C5914C3}"/>
-              </a:ext>
-            </a:extLst>
-          </p:cNvPr>
-          <p:cNvPicPr>
-            <a:picLocks noChangeAspect="1"/>
-          </p:cNvPicPr>
-          <p:nvPr/>
-        </p:nvPicPr>
-        <p:blipFill>
-          <a:blip r:embed="rId19">
-            <a:extLst>
-              <a:ext uri="{28A0092B-C50C-407E-A947-70E740481C1C}">
-                <a14:useLocalDpi xmlns:a14="http://schemas.microsoft.com/office/drawing/2010/main" val="0"/>
-              </a:ext>
-              <a:ext uri="{96DAC541-7B7A-43D3-8B79-37D633B846F1}">
-                <asvg:svgBlip xmlns:asvg="http://schemas.microsoft.com/office/drawing/2016/SVG/main" r:embed="rId20"/>
-              </a:ext>
-            </a:extLst>
-          </a:blip>
-          <a:stretch>
-            <a:fillRect/>
-          </a:stretch>
-        </p:blipFill>
-        <p:spPr>
-          <a:xfrm>
-            <a:off x="10378444" y="3793904"/>
-            <a:ext cx="402996" cy="402996"/>
-          </a:xfrm>
-          <a:prstGeom prst="rect">
-            <a:avLst/>
-          </a:prstGeom>
-        </p:spPr>
-      </p:pic>
-      <p:pic>
-        <p:nvPicPr>
-          <p:cNvPr id="52" name="グラフィックス 51" descr="ドキュメント 枠線">
-            <a:extLst>
-              <a:ext uri="{FF2B5EF4-FFF2-40B4-BE49-F238E27FC236}">
-                <a16:creationId xmlns:a16="http://schemas.microsoft.com/office/drawing/2014/main" id="{7BCB083F-C3E7-0987-FC3F-027279F7EAA5}"/>
-              </a:ext>
-            </a:extLst>
-          </p:cNvPr>
-          <p:cNvPicPr>
-            <a:picLocks noChangeAspect="1"/>
-          </p:cNvPicPr>
-          <p:nvPr/>
-        </p:nvPicPr>
-        <p:blipFill>
-          <a:blip r:embed="rId19">
-            <a:extLst>
-              <a:ext uri="{28A0092B-C50C-407E-A947-70E740481C1C}">
-                <a14:useLocalDpi xmlns:a14="http://schemas.microsoft.com/office/drawing/2010/main" val="0"/>
-              </a:ext>
-              <a:ext uri="{96DAC541-7B7A-43D3-8B79-37D633B846F1}">
-                <asvg:svgBlip xmlns:asvg="http://schemas.microsoft.com/office/drawing/2016/SVG/main" r:embed="rId20"/>
-              </a:ext>
-            </a:extLst>
-          </a:blip>
-          <a:stretch>
-            <a:fillRect/>
-          </a:stretch>
-        </p:blipFill>
-        <p:spPr>
-          <a:xfrm>
-            <a:off x="10709953" y="3795475"/>
-            <a:ext cx="402996" cy="402996"/>
-          </a:xfrm>
-          <a:prstGeom prst="rect">
-            <a:avLst/>
-          </a:prstGeom>
-        </p:spPr>
-      </p:pic>
-      <p:sp>
-        <p:nvSpPr>
-          <p:cNvPr id="53" name="テキスト ボックス 52">
-            <a:extLst>
-              <a:ext uri="{FF2B5EF4-FFF2-40B4-BE49-F238E27FC236}">
-                <a16:creationId xmlns:a16="http://schemas.microsoft.com/office/drawing/2014/main" id="{8F3348F4-A0B6-D383-1E7B-B49F8D22A016}"/>
-              </a:ext>
-            </a:extLst>
-          </p:cNvPr>
-          <p:cNvSpPr txBox="1"/>
-          <p:nvPr/>
-        </p:nvSpPr>
-        <p:spPr>
-          <a:xfrm>
-            <a:off x="10995545" y="3884317"/>
-            <a:ext cx="885117" cy="246221"/>
-          </a:xfrm>
-          <a:prstGeom prst="rect">
-            <a:avLst/>
-          </a:prstGeom>
-          <a:noFill/>
-        </p:spPr>
-        <p:txBody>
-          <a:bodyPr wrap="square">
-            <a:spAutoFit/>
-          </a:bodyPr>
-          <a:lstStyle/>
-          <a:p>
-            <a:pPr marL="0" marR="0" lvl="0" indent="0" algn="l" defTabSz="914367" rtl="0" eaLnBrk="1" fontAlgn="auto" latinLnBrk="0" hangingPunct="1">
-              <a:lnSpc>
-                <a:spcPct val="100000"/>
-              </a:lnSpc>
-              <a:spcBef>
-                <a:spcPts val="0"/>
-              </a:spcBef>
-              <a:spcAft>
-                <a:spcPts val="0"/>
-              </a:spcAft>
-              <a:buClrTx/>
-              <a:buSzTx/>
-              <a:buFontTx/>
-              <a:buNone/>
-              <a:tabLst/>
-              <a:defRPr/>
-            </a:pPr>
-            <a:r>
-              <a:rPr kumimoji="1" lang="ja-JP" altLang="en-US" sz="1000" b="0" i="0" u="none" strike="noStrike" kern="1200" cap="none" spc="0" normalizeH="0" baseline="0" noProof="0" dirty="0">
-                <a:ln>
-                  <a:noFill/>
-                </a:ln>
-                <a:solidFill>
-                  <a:srgbClr val="000000"/>
-                </a:solidFill>
-                <a:effectLst/>
-                <a:uLnTx/>
-                <a:uFillTx/>
-                <a:latin typeface="Yu Gothic UI Semilight" panose="020B0400000000000000" pitchFamily="50" charset="-128"/>
-                <a:ea typeface="Yu Gothic UI Semilight" panose="020B0400000000000000" pitchFamily="50" charset="-128"/>
-              </a:rPr>
-              <a:t>・・・</a:t>
-            </a:r>
-            <a:endParaRPr kumimoji="1" lang="en-US" altLang="ja-JP" sz="1000" b="0" i="0" u="none" strike="noStrike" kern="1200" cap="none" spc="0" normalizeH="0" baseline="0" noProof="0" dirty="0">
-              <a:ln>
-                <a:noFill/>
-              </a:ln>
-              <a:solidFill>
-                <a:srgbClr val="000000"/>
-              </a:solidFill>
-              <a:effectLst/>
-              <a:uLnTx/>
-              <a:uFillTx/>
-              <a:latin typeface="Yu Gothic UI Semilight" panose="020B0400000000000000" pitchFamily="50" charset="-128"/>
-              <a:ea typeface="Yu Gothic UI Semilight" panose="020B0400000000000000" pitchFamily="50" charset="-128"/>
-            </a:endParaRPr>
+              <a:t>bicep</a:t>
+            </a:r>
           </a:p>
         </p:txBody>
       </p:sp>
       <p:sp>
         <p:nvSpPr>
-          <p:cNvPr id="54" name="テキスト ボックス 53">
-            <a:extLst>
-              <a:ext uri="{FF2B5EF4-FFF2-40B4-BE49-F238E27FC236}">
-                <a16:creationId xmlns:a16="http://schemas.microsoft.com/office/drawing/2014/main" id="{4671FDA0-FE88-4E7F-53AE-39C7FF379920}"/>
-              </a:ext>
-            </a:extLst>
-          </p:cNvPr>
-          <p:cNvSpPr txBox="1"/>
+          <p:cNvPr id="62" name="正方形/長方形 4">
+            <a:extLst>
+              <a:ext uri="{FF2B5EF4-FFF2-40B4-BE49-F238E27FC236}">
+                <a16:creationId xmlns:a16="http://schemas.microsoft.com/office/drawing/2014/main" id="{74953AAD-2751-7707-08BA-5B7C454023E1}"/>
+              </a:ext>
+            </a:extLst>
+          </p:cNvPr>
+          <p:cNvSpPr/>
           <p:nvPr/>
         </p:nvSpPr>
         <p:spPr>
           <a:xfrm>
-            <a:off x="10017081" y="4204458"/>
-            <a:ext cx="1630840" cy="184666"/>
-          </a:xfrm>
-          <a:prstGeom prst="rect">
-            <a:avLst/>
-          </a:prstGeom>
-          <a:noFill/>
-        </p:spPr>
-        <p:txBody>
-          <a:bodyPr wrap="square" lIns="0" tIns="0" rIns="0" bIns="0" rtlCol="0">
-            <a:spAutoFit/>
-          </a:bodyPr>
-          <a:lstStyle/>
-          <a:p>
-            <a:pPr marL="0" marR="0" lvl="0" indent="0" algn="l" defTabSz="914367" rtl="0" eaLnBrk="1" fontAlgn="auto" latinLnBrk="0" hangingPunct="1">
-              <a:lnSpc>
-                <a:spcPct val="100000"/>
-              </a:lnSpc>
-              <a:spcBef>
-                <a:spcPts val="0"/>
-              </a:spcBef>
-              <a:spcAft>
-                <a:spcPts val="0"/>
-              </a:spcAft>
-              <a:buClrTx/>
-              <a:buSzTx/>
-              <a:buFontTx/>
-              <a:buNone/>
-              <a:tabLst/>
-              <a:defRPr/>
-            </a:pPr>
-            <a:r>
-              <a:rPr kumimoji="1" lang="ja-JP" altLang="en-US" sz="1200" b="0" i="0" u="none" strike="noStrike" kern="1200" cap="none" spc="0" normalizeH="0" baseline="0" noProof="0" dirty="0">
-                <a:ln>
-                  <a:noFill/>
-                </a:ln>
-                <a:solidFill>
-                  <a:srgbClr val="243A5E">
-                    <a:lumMod val="60000"/>
-                    <a:lumOff val="40000"/>
-                  </a:srgbClr>
-                </a:solidFill>
-                <a:effectLst/>
-                <a:uLnTx/>
-                <a:uFillTx/>
-                <a:latin typeface="Segoe UI"/>
-                <a:ea typeface="Yu Gothic UI"/>
-                <a:cs typeface="+mn-cs"/>
-              </a:rPr>
-              <a:t>テキスト化されたデータ群</a:t>
-            </a:r>
-            <a:endParaRPr kumimoji="1" lang="en-US" altLang="ja-JP" sz="1200" b="0" i="0" u="none" strike="noStrike" kern="1200" cap="none" spc="0" normalizeH="0" baseline="0" noProof="0" dirty="0">
-              <a:ln>
-                <a:noFill/>
-              </a:ln>
-              <a:solidFill>
-                <a:srgbClr val="243A5E">
-                  <a:lumMod val="60000"/>
-                  <a:lumOff val="40000"/>
-                </a:srgbClr>
-              </a:solidFill>
-              <a:effectLst/>
-              <a:uLnTx/>
-              <a:uFillTx/>
-              <a:latin typeface="Segoe UI"/>
-              <a:ea typeface="Yu Gothic UI"/>
-              <a:cs typeface="+mn-cs"/>
-            </a:endParaRPr>
-          </a:p>
-        </p:txBody>
-      </p:sp>
-      <p:sp>
-        <p:nvSpPr>
-          <p:cNvPr id="56" name="正方形/長方形 55">
-            <a:extLst>
-              <a:ext uri="{FF2B5EF4-FFF2-40B4-BE49-F238E27FC236}">
-                <a16:creationId xmlns:a16="http://schemas.microsoft.com/office/drawing/2014/main" id="{F9B6280C-772F-8228-86EC-F9E02047B4CA}"/>
-              </a:ext>
-            </a:extLst>
-          </p:cNvPr>
-          <p:cNvSpPr/>
-          <p:nvPr/>
-        </p:nvSpPr>
-        <p:spPr>
-          <a:xfrm>
-            <a:off x="396121" y="943583"/>
-            <a:ext cx="11607811" cy="4513634"/>
-          </a:xfrm>
-          <a:prstGeom prst="rect">
-            <a:avLst/>
-          </a:prstGeom>
-          <a:noFill/>
+            <a:off x="5410613" y="2135722"/>
+            <a:ext cx="1529751" cy="565554"/>
+          </a:xfrm>
+          <a:prstGeom prst="rect">
+            <a:avLst/>
+          </a:prstGeom>
+          <a:solidFill>
+            <a:schemeClr val="bg1"/>
+          </a:solidFill>
           <a:ln w="19050">
             <a:solidFill>
-              <a:schemeClr val="bg2">
-                <a:lumMod val="75000"/>
+              <a:schemeClr val="bg1">
+                <a:lumMod val="65000"/>
               </a:schemeClr>
             </a:solidFill>
-            <a:prstDash val="sysDash"/>
           </a:ln>
         </p:spPr>
         <p:style>
@@ -16842,98 +16930,12 @@
           </a:p>
         </p:txBody>
       </p:sp>
-      <p:pic>
-        <p:nvPicPr>
-          <p:cNvPr id="57" name="Picture 2" descr="App Service の料金 | Microsoft Azure">
-            <a:extLst>
-              <a:ext uri="{FF2B5EF4-FFF2-40B4-BE49-F238E27FC236}">
-                <a16:creationId xmlns:a16="http://schemas.microsoft.com/office/drawing/2014/main" id="{13797CF2-DEAE-0885-B71D-D4E3477E9DA8}"/>
-              </a:ext>
-            </a:extLst>
-          </p:cNvPr>
-          <p:cNvPicPr>
-            <a:picLocks noChangeAspect="1" noChangeArrowheads="1"/>
-          </p:cNvPicPr>
-          <p:nvPr/>
-        </p:nvPicPr>
-        <p:blipFill>
-          <a:blip r:embed="rId21">
-            <a:extLst>
-              <a:ext uri="{28A0092B-C50C-407E-A947-70E740481C1C}">
-                <a14:useLocalDpi xmlns:a14="http://schemas.microsoft.com/office/drawing/2010/main" val="0"/>
-              </a:ext>
-            </a:extLst>
-          </a:blip>
-          <a:srcRect/>
-          <a:stretch>
-            <a:fillRect/>
-          </a:stretch>
-        </p:blipFill>
-        <p:spPr bwMode="auto">
-          <a:xfrm>
-            <a:off x="223737" y="372387"/>
-            <a:ext cx="866573" cy="454951"/>
-          </a:xfrm>
-          <a:prstGeom prst="rect">
-            <a:avLst/>
-          </a:prstGeom>
-          <a:noFill/>
-          <a:extLst>
-            <a:ext uri="{909E8E84-426E-40DD-AFC4-6F175D3DCCD1}">
-              <a14:hiddenFill xmlns:a14="http://schemas.microsoft.com/office/drawing/2010/main">
-                <a:solidFill>
-                  <a:srgbClr val="FFFFFF"/>
-                </a:solidFill>
-              </a14:hiddenFill>
-            </a:ext>
-          </a:extLst>
-        </p:spPr>
-      </p:pic>
-      <p:pic>
-        <p:nvPicPr>
-          <p:cNvPr id="60" name="グラフィックス 59">
-            <a:extLst>
-              <a:ext uri="{FF2B5EF4-FFF2-40B4-BE49-F238E27FC236}">
-                <a16:creationId xmlns:a16="http://schemas.microsoft.com/office/drawing/2014/main" id="{DDD39909-E5DD-5A79-C071-7AA902A7977F}"/>
-              </a:ext>
-            </a:extLst>
-          </p:cNvPr>
-          <p:cNvPicPr>
-            <a:picLocks noChangeAspect="1"/>
-          </p:cNvPicPr>
-          <p:nvPr/>
-        </p:nvPicPr>
-        <p:blipFill>
-          <a:blip r:embed="rId22">
-            <a:extLst>
-              <a:ext uri="{28A0092B-C50C-407E-A947-70E740481C1C}">
-                <a14:useLocalDpi xmlns:a14="http://schemas.microsoft.com/office/drawing/2010/main" val="0"/>
-              </a:ext>
-              <a:ext uri="{96DAC541-7B7A-43D3-8B79-37D633B846F1}">
-                <asvg:svgBlip xmlns:asvg="http://schemas.microsoft.com/office/drawing/2016/SVG/main" r:embed="rId23"/>
-              </a:ext>
-            </a:extLst>
-          </a:blip>
-          <a:stretch>
-            <a:fillRect/>
-          </a:stretch>
-        </p:blipFill>
-        <p:spPr>
-          <a:xfrm>
-            <a:off x="1643488" y="4763514"/>
-            <a:ext cx="662900" cy="662900"/>
-          </a:xfrm>
-          <a:prstGeom prst="rect">
-            <a:avLst/>
-          </a:prstGeom>
-        </p:spPr>
-      </p:pic>
       <p:sp>
         <p:nvSpPr>
-          <p:cNvPr id="61" name="テキスト ボックス 60">
-            <a:extLst>
-              <a:ext uri="{FF2B5EF4-FFF2-40B4-BE49-F238E27FC236}">
-                <a16:creationId xmlns:a16="http://schemas.microsoft.com/office/drawing/2014/main" id="{CBA293DD-6D57-98CB-FF08-D8333A5B877A}"/>
+          <p:cNvPr id="65" name="テキスト ボックス 6">
+            <a:extLst>
+              <a:ext uri="{FF2B5EF4-FFF2-40B4-BE49-F238E27FC236}">
+                <a16:creationId xmlns:a16="http://schemas.microsoft.com/office/drawing/2014/main" id="{0685490B-574D-4BAE-2AEC-5422C19A1C18}"/>
               </a:ext>
             </a:extLst>
           </p:cNvPr>
@@ -16942,21 +16944,24 @@
         </p:nvSpPr>
         <p:spPr>
           <a:xfrm>
-            <a:off x="1303953" y="4454526"/>
-            <a:ext cx="1341970" cy="246221"/>
+            <a:off x="5416383" y="3271790"/>
+            <a:ext cx="2392393" cy="323165"/>
           </a:xfrm>
           <a:prstGeom prst="rect">
             <a:avLst/>
           </a:prstGeom>
           <a:noFill/>
+          <a:ln w="19050">
+            <a:noFill/>
+          </a:ln>
         </p:spPr>
         <p:txBody>
-          <a:bodyPr wrap="square">
+          <a:bodyPr wrap="square" rtlCol="0">
             <a:spAutoFit/>
           </a:bodyPr>
           <a:lstStyle/>
           <a:p>
-            <a:pPr marL="0" marR="0" lvl="0" indent="0" algn="ctr" defTabSz="914367" rtl="0" eaLnBrk="1" fontAlgn="auto" latinLnBrk="0" hangingPunct="1">
+            <a:pPr marL="0" marR="0" lvl="0" indent="0" algn="l" defTabSz="914367" rtl="0" eaLnBrk="1" fontAlgn="auto" latinLnBrk="0" hangingPunct="1">
               <a:lnSpc>
                 <a:spcPct val="100000"/>
               </a:lnSpc>
@@ -16974,206 +16979,12 @@
               <a:defRPr/>
             </a:pPr>
             <a:r>
-              <a:rPr kumimoji="1" lang="en-US" altLang="ja-JP" sz="1000" dirty="0">
-                <a:solidFill>
-                  <a:srgbClr val="000000"/>
-                </a:solidFill>
-                <a:latin typeface="Yu Gothic UI Semibold" panose="020B0700000000000000" pitchFamily="50" charset="-128"/>
-                <a:ea typeface="Yu Gothic UI Semibold" panose="020B0700000000000000" pitchFamily="50" charset="-128"/>
-              </a:rPr>
-              <a:t>Application Insights</a:t>
-            </a:r>
-          </a:p>
-        </p:txBody>
-      </p:sp>
-      <p:pic>
-        <p:nvPicPr>
-          <p:cNvPr id="63" name="グラフィックス 62">
-            <a:extLst>
-              <a:ext uri="{FF2B5EF4-FFF2-40B4-BE49-F238E27FC236}">
-                <a16:creationId xmlns:a16="http://schemas.microsoft.com/office/drawing/2014/main" id="{2EB3B1F8-301C-3FC0-935A-DAAF6BA95171}"/>
-              </a:ext>
-            </a:extLst>
-          </p:cNvPr>
-          <p:cNvPicPr>
-            <a:picLocks noChangeAspect="1"/>
-          </p:cNvPicPr>
-          <p:nvPr/>
-        </p:nvPicPr>
-        <p:blipFill>
-          <a:blip r:embed="rId24">
-            <a:extLst>
-              <a:ext uri="{28A0092B-C50C-407E-A947-70E740481C1C}">
-                <a14:useLocalDpi xmlns:a14="http://schemas.microsoft.com/office/drawing/2010/main" val="0"/>
-              </a:ext>
-              <a:ext uri="{96DAC541-7B7A-43D3-8B79-37D633B846F1}">
-                <asvg:svgBlip xmlns:asvg="http://schemas.microsoft.com/office/drawing/2016/SVG/main" r:embed="rId25"/>
-              </a:ext>
-            </a:extLst>
-          </a:blip>
-          <a:stretch>
-            <a:fillRect/>
-          </a:stretch>
-        </p:blipFill>
-        <p:spPr>
-          <a:xfrm>
-            <a:off x="685315" y="4782967"/>
-            <a:ext cx="575351" cy="575351"/>
-          </a:xfrm>
-          <a:prstGeom prst="rect">
-            <a:avLst/>
-          </a:prstGeom>
-        </p:spPr>
-      </p:pic>
-      <p:sp>
-        <p:nvSpPr>
-          <p:cNvPr id="64" name="テキスト ボックス 63">
-            <a:extLst>
-              <a:ext uri="{FF2B5EF4-FFF2-40B4-BE49-F238E27FC236}">
-                <a16:creationId xmlns:a16="http://schemas.microsoft.com/office/drawing/2014/main" id="{D6BDD0C6-7B20-FE02-56CC-D360CB8F530D}"/>
-              </a:ext>
-            </a:extLst>
-          </p:cNvPr>
-          <p:cNvSpPr txBox="1"/>
-          <p:nvPr/>
-        </p:nvSpPr>
-        <p:spPr>
-          <a:xfrm>
-            <a:off x="603563" y="4464253"/>
-            <a:ext cx="738854" cy="246221"/>
-          </a:xfrm>
-          <a:prstGeom prst="rect">
-            <a:avLst/>
-          </a:prstGeom>
-          <a:noFill/>
-        </p:spPr>
-        <p:txBody>
-          <a:bodyPr wrap="square">
-            <a:spAutoFit/>
-          </a:bodyPr>
-          <a:lstStyle/>
-          <a:p>
-            <a:pPr marL="0" marR="0" lvl="0" indent="0" algn="ctr" defTabSz="914367" rtl="0" eaLnBrk="1" fontAlgn="auto" latinLnBrk="0" hangingPunct="1">
-              <a:lnSpc>
-                <a:spcPct val="100000"/>
-              </a:lnSpc>
-              <a:spcBef>
-                <a:spcPts val="0"/>
-              </a:spcBef>
-              <a:spcAft>
-                <a:spcPts val="0"/>
-              </a:spcAft>
-              <a:buClrTx/>
-              <a:buSzTx/>
-              <a:buFontTx/>
-              <a:buNone/>
-              <a:tabLst/>
-              <a:defRPr/>
-            </a:pPr>
-            <a:r>
-              <a:rPr kumimoji="1" lang="en-US" altLang="ja-JP" sz="1000" dirty="0">
-                <a:solidFill>
-                  <a:srgbClr val="000000"/>
-                </a:solidFill>
-                <a:latin typeface="Yu Gothic UI Semibold" panose="020B0700000000000000" pitchFamily="50" charset="-128"/>
-                <a:ea typeface="Yu Gothic UI Semibold" panose="020B0700000000000000" pitchFamily="50" charset="-128"/>
-              </a:rPr>
-              <a:t>KeyVault</a:t>
-            </a:r>
-          </a:p>
-        </p:txBody>
-      </p:sp>
-      <p:pic>
-        <p:nvPicPr>
-          <p:cNvPr id="66" name="グラフィックス 65">
-            <a:extLst>
-              <a:ext uri="{FF2B5EF4-FFF2-40B4-BE49-F238E27FC236}">
-                <a16:creationId xmlns:a16="http://schemas.microsoft.com/office/drawing/2014/main" id="{A51DC148-7C6D-63E7-AD27-A9D59FDA5A43}"/>
-              </a:ext>
-            </a:extLst>
-          </p:cNvPr>
-          <p:cNvPicPr>
-            <a:picLocks noChangeAspect="1"/>
-          </p:cNvPicPr>
-          <p:nvPr/>
-        </p:nvPicPr>
-        <p:blipFill>
-          <a:blip r:embed="rId26">
-            <a:extLst>
-              <a:ext uri="{28A0092B-C50C-407E-A947-70E740481C1C}">
-                <a14:useLocalDpi xmlns:a14="http://schemas.microsoft.com/office/drawing/2010/main" val="0"/>
-              </a:ext>
-              <a:ext uri="{96DAC541-7B7A-43D3-8B79-37D633B846F1}">
-                <asvg:svgBlip xmlns:asvg="http://schemas.microsoft.com/office/drawing/2016/SVG/main" r:embed="rId27"/>
-              </a:ext>
-            </a:extLst>
-          </a:blip>
-          <a:stretch>
-            <a:fillRect/>
-          </a:stretch>
-        </p:blipFill>
-        <p:spPr>
-          <a:xfrm>
-            <a:off x="7012223" y="2321870"/>
-            <a:ext cx="479696" cy="479696"/>
-          </a:xfrm>
-          <a:prstGeom prst="rect">
-            <a:avLst/>
-          </a:prstGeom>
-        </p:spPr>
-      </p:pic>
-      <p:sp>
-        <p:nvSpPr>
-          <p:cNvPr id="67" name="テキスト ボックス 66">
-            <a:extLst>
-              <a:ext uri="{FF2B5EF4-FFF2-40B4-BE49-F238E27FC236}">
-                <a16:creationId xmlns:a16="http://schemas.microsoft.com/office/drawing/2014/main" id="{D85E58D3-7AEB-4DE3-C660-442A79E1072B}"/>
-              </a:ext>
-            </a:extLst>
-          </p:cNvPr>
-          <p:cNvSpPr txBox="1"/>
-          <p:nvPr/>
-        </p:nvSpPr>
-        <p:spPr>
-          <a:xfrm>
-            <a:off x="10386905" y="2203554"/>
-            <a:ext cx="1393291" cy="276999"/>
-          </a:xfrm>
-          <a:prstGeom prst="rect">
-            <a:avLst/>
-          </a:prstGeom>
-          <a:noFill/>
-        </p:spPr>
-        <p:txBody>
-          <a:bodyPr wrap="square">
-            <a:spAutoFit/>
-          </a:bodyPr>
-          <a:lstStyle/>
-          <a:p>
-            <a:pPr marL="0" marR="0" lvl="0" indent="0" algn="l" defTabSz="914367" rtl="0" eaLnBrk="1" fontAlgn="auto" latinLnBrk="0" hangingPunct="1">
-              <a:lnSpc>
-                <a:spcPct val="100000"/>
-              </a:lnSpc>
-              <a:spcBef>
-                <a:spcPts val="0"/>
-              </a:spcBef>
-              <a:spcAft>
-                <a:spcPts val="0"/>
-              </a:spcAft>
-              <a:buClrTx/>
-              <a:buSzTx/>
-              <a:buFontTx/>
-              <a:buNone/>
-              <a:tabLst/>
-              <a:defRPr/>
-            </a:pPr>
-            <a:r>
-              <a:rPr kumimoji="1" lang="en-US" altLang="ja-JP" sz="1200" b="0" i="0" u="none" strike="noStrike" kern="1200" cap="none" spc="0" normalizeH="0" baseline="0" noProof="0" dirty="0">
+              <a:rPr kumimoji="1" lang="en-US" altLang="ja-JP" sz="1500" b="0" i="0" u="none" strike="noStrike" kern="1200" cap="none" spc="0" normalizeH="0" baseline="0" noProof="0" dirty="0">
                 <a:ln>
                   <a:noFill/>
                 </a:ln>
                 <a:solidFill>
-                  <a:schemeClr val="accent1"/>
+                  <a:srgbClr val="000000"/>
                 </a:solidFill>
                 <a:effectLst/>
                 <a:uLnTx/>
@@ -17182,116 +16993,138 @@
                 <a:ea typeface="Yu Gothic UI Semibold" panose="020B0700000000000000" pitchFamily="50" charset="-128"/>
                 <a:cs typeface="+mn-cs"/>
               </a:rPr>
-              <a:t>Form Recognizer</a:t>
+              <a:t>Backend</a:t>
             </a:r>
           </a:p>
         </p:txBody>
       </p:sp>
+      <p:cxnSp>
+        <p:nvCxnSpPr>
+          <p:cNvPr id="72" name="コネクタ: カギ線 44">
+            <a:extLst>
+              <a:ext uri="{FF2B5EF4-FFF2-40B4-BE49-F238E27FC236}">
+                <a16:creationId xmlns:a16="http://schemas.microsoft.com/office/drawing/2014/main" id="{4C54AE49-C3C9-8B04-1C09-496A908A37E2}"/>
+              </a:ext>
+            </a:extLst>
+          </p:cNvPr>
+          <p:cNvCxnSpPr>
+            <a:cxnSpLocks/>
+            <a:stCxn id="62" idx="2"/>
+          </p:cNvCxnSpPr>
+          <p:nvPr/>
+        </p:nvCxnSpPr>
+        <p:spPr>
+          <a:xfrm rot="16200000" flipH="1">
+            <a:off x="5866702" y="3010062"/>
+            <a:ext cx="950774" cy="333201"/>
+          </a:xfrm>
+          <a:prstGeom prst="bentConnector3">
+            <a:avLst>
+              <a:gd name="adj1" fmla="val 50000"/>
+            </a:avLst>
+          </a:prstGeom>
+          <a:ln w="19050">
+            <a:solidFill>
+              <a:schemeClr val="accent1"/>
+            </a:solidFill>
+            <a:headEnd type="none" w="lg" len="med"/>
+            <a:tailEnd type="triangle"/>
+          </a:ln>
+        </p:spPr>
+        <p:style>
+          <a:lnRef idx="1">
+            <a:schemeClr val="accent1"/>
+          </a:lnRef>
+          <a:fillRef idx="0">
+            <a:schemeClr val="accent1"/>
+          </a:fillRef>
+          <a:effectRef idx="0">
+            <a:schemeClr val="accent1"/>
+          </a:effectRef>
+          <a:fontRef idx="minor">
+            <a:schemeClr val="tx1"/>
+          </a:fontRef>
+        </p:style>
+      </p:cxnSp>
+      <p:cxnSp>
+        <p:nvCxnSpPr>
+          <p:cNvPr id="75" name="コネクタ: カギ線 44">
+            <a:extLst>
+              <a:ext uri="{FF2B5EF4-FFF2-40B4-BE49-F238E27FC236}">
+                <a16:creationId xmlns:a16="http://schemas.microsoft.com/office/drawing/2014/main" id="{488A47D3-4066-CA7E-F8E2-81F4BB40BEFB}"/>
+              </a:ext>
+            </a:extLst>
+          </p:cNvPr>
+          <p:cNvCxnSpPr>
+            <a:cxnSpLocks/>
+            <a:stCxn id="80" idx="3"/>
+            <a:endCxn id="62" idx="1"/>
+          </p:cNvCxnSpPr>
+          <p:nvPr/>
+        </p:nvCxnSpPr>
+        <p:spPr>
+          <a:xfrm flipV="1">
+            <a:off x="2320222" y="2418499"/>
+            <a:ext cx="3090391" cy="569589"/>
+          </a:xfrm>
+          <a:prstGeom prst="bentConnector3">
+            <a:avLst>
+              <a:gd name="adj1" fmla="val 50000"/>
+            </a:avLst>
+          </a:prstGeom>
+          <a:ln w="19050">
+            <a:solidFill>
+              <a:schemeClr val="accent1"/>
+            </a:solidFill>
+            <a:headEnd type="none" w="lg" len="med"/>
+            <a:tailEnd type="triangle"/>
+          </a:ln>
+        </p:spPr>
+        <p:style>
+          <a:lnRef idx="1">
+            <a:schemeClr val="accent1"/>
+          </a:lnRef>
+          <a:fillRef idx="0">
+            <a:schemeClr val="accent1"/>
+          </a:fillRef>
+          <a:effectRef idx="0">
+            <a:schemeClr val="accent1"/>
+          </a:effectRef>
+          <a:fontRef idx="minor">
+            <a:schemeClr val="tx1"/>
+          </a:fontRef>
+        </p:style>
+      </p:cxnSp>
       <p:pic>
         <p:nvPicPr>
-          <p:cNvPr id="1026" name="Picture 2" descr="PowerShell Gallery | SimonWahlin">
-            <a:extLst>
-              <a:ext uri="{FF2B5EF4-FFF2-40B4-BE49-F238E27FC236}">
-                <a16:creationId xmlns:a16="http://schemas.microsoft.com/office/drawing/2014/main" id="{B744C29B-EC08-35AA-2CE9-1AA5DA3FCE90}"/>
+          <p:cNvPr id="80" name="Picture 79">
+            <a:extLst>
+              <a:ext uri="{FF2B5EF4-FFF2-40B4-BE49-F238E27FC236}">
+                <a16:creationId xmlns:a16="http://schemas.microsoft.com/office/drawing/2014/main" id="{28C28E3E-9FA5-D5BD-E434-B30E6A952993}"/>
               </a:ext>
             </a:extLst>
           </p:cNvPr>
           <p:cNvPicPr>
-            <a:picLocks noChangeAspect="1" noChangeArrowheads="1"/>
+            <a:picLocks noChangeAspect="1"/>
           </p:cNvPicPr>
           <p:nvPr/>
         </p:nvPicPr>
         <p:blipFill>
-          <a:blip r:embed="rId28">
-            <a:extLst>
-              <a:ext uri="{28A0092B-C50C-407E-A947-70E740481C1C}">
-                <a14:useLocalDpi xmlns:a14="http://schemas.microsoft.com/office/drawing/2010/main" val="0"/>
-              </a:ext>
-            </a:extLst>
-          </a:blip>
-          <a:srcRect/>
+          <a:blip r:embed="rId25"/>
           <a:stretch>
             <a:fillRect/>
           </a:stretch>
         </p:blipFill>
-        <p:spPr bwMode="auto">
-          <a:xfrm>
-            <a:off x="700393" y="5941979"/>
-            <a:ext cx="612842" cy="612842"/>
-          </a:xfrm>
-          <a:prstGeom prst="rect">
-            <a:avLst/>
-          </a:prstGeom>
-          <a:noFill/>
-          <a:extLst>
-            <a:ext uri="{909E8E84-426E-40DD-AFC4-6F175D3DCCD1}">
-              <a14:hiddenFill xmlns:a14="http://schemas.microsoft.com/office/drawing/2010/main">
-                <a:solidFill>
-                  <a:srgbClr val="FFFFFF"/>
-                </a:solidFill>
-              </a14:hiddenFill>
-            </a:ext>
-          </a:extLst>
+        <p:spPr>
+          <a:xfrm>
+            <a:off x="854362" y="2431019"/>
+            <a:ext cx="1465860" cy="1114137"/>
+          </a:xfrm>
+          <a:prstGeom prst="rect">
+            <a:avLst/>
+          </a:prstGeom>
         </p:spPr>
       </p:pic>
-      <p:sp>
-        <p:nvSpPr>
-          <p:cNvPr id="68" name="テキスト ボックス 67">
-            <a:extLst>
-              <a:ext uri="{FF2B5EF4-FFF2-40B4-BE49-F238E27FC236}">
-                <a16:creationId xmlns:a16="http://schemas.microsoft.com/office/drawing/2014/main" id="{3B56BCE4-1773-6B1C-9113-E89B4E494C6B}"/>
-              </a:ext>
-            </a:extLst>
-          </p:cNvPr>
-          <p:cNvSpPr txBox="1"/>
-          <p:nvPr/>
-        </p:nvSpPr>
-        <p:spPr>
-          <a:xfrm>
-            <a:off x="629504" y="5608874"/>
-            <a:ext cx="738854" cy="246221"/>
-          </a:xfrm>
-          <a:prstGeom prst="rect">
-            <a:avLst/>
-          </a:prstGeom>
-          <a:noFill/>
-        </p:spPr>
-        <p:txBody>
-          <a:bodyPr wrap="square">
-            <a:spAutoFit/>
-          </a:bodyPr>
-          <a:lstStyle/>
-          <a:p>
-            <a:pPr marL="0" marR="0" lvl="0" indent="0" algn="ctr" defTabSz="914367" rtl="0" eaLnBrk="1" fontAlgn="auto" latinLnBrk="0" hangingPunct="1">
-              <a:lnSpc>
-                <a:spcPct val="100000"/>
-              </a:lnSpc>
-              <a:spcBef>
-                <a:spcPts val="0"/>
-              </a:spcBef>
-              <a:spcAft>
-                <a:spcPts val="0"/>
-              </a:spcAft>
-              <a:buClrTx/>
-              <a:buSzTx/>
-              <a:buFontTx/>
-              <a:buNone/>
-              <a:tabLst/>
-              <a:defRPr/>
-            </a:pPr>
-            <a:r>
-              <a:rPr kumimoji="1" lang="en-US" altLang="ja-JP" sz="1000" dirty="0">
-                <a:solidFill>
-                  <a:srgbClr val="000000"/>
-                </a:solidFill>
-                <a:latin typeface="Yu Gothic UI Semibold" panose="020B0700000000000000" pitchFamily="50" charset="-128"/>
-                <a:ea typeface="Yu Gothic UI Semibold" panose="020B0700000000000000" pitchFamily="50" charset="-128"/>
-              </a:rPr>
-              <a:t>bicep</a:t>
-            </a:r>
-          </a:p>
-        </p:txBody>
-      </p:sp>
     </p:spTree>
     <p:extLst>
       <p:ext uri="{BB962C8B-B14F-4D97-AF65-F5344CB8AC3E}">
@@ -19267,152 +19100,6 @@
       </p:sp>
       <p:sp>
         <p:nvSpPr>
-          <p:cNvPr id="32" name="テキスト ボックス 31">
-            <a:extLst>
-              <a:ext uri="{FF2B5EF4-FFF2-40B4-BE49-F238E27FC236}">
-                <a16:creationId xmlns:a16="http://schemas.microsoft.com/office/drawing/2014/main" id="{7EF69B9A-DCAD-8BE9-5A5A-0E1AAE676686}"/>
-              </a:ext>
-            </a:extLst>
-          </p:cNvPr>
-          <p:cNvSpPr txBox="1"/>
-          <p:nvPr/>
-        </p:nvSpPr>
-        <p:spPr>
-          <a:xfrm>
-            <a:off x="2410534" y="2364606"/>
-            <a:ext cx="2392393" cy="292388"/>
-          </a:xfrm>
-          <a:prstGeom prst="rect">
-            <a:avLst/>
-          </a:prstGeom>
-          <a:noFill/>
-          <a:ln w="19050">
-            <a:noFill/>
-          </a:ln>
-        </p:spPr>
-        <p:txBody>
-          <a:bodyPr wrap="square" rtlCol="0">
-            <a:spAutoFit/>
-          </a:bodyPr>
-          <a:lstStyle/>
-          <a:p>
-            <a:pPr marL="0" marR="0" lvl="0" indent="0" algn="l" defTabSz="914367" rtl="0" eaLnBrk="1" fontAlgn="auto" latinLnBrk="0" hangingPunct="1">
-              <a:lnSpc>
-                <a:spcPct val="100000"/>
-              </a:lnSpc>
-              <a:spcBef>
-                <a:spcPts val="0"/>
-              </a:spcBef>
-              <a:spcAft>
-                <a:spcPts val="0"/>
-              </a:spcAft>
-              <a:buClrTx/>
-              <a:buSzTx/>
-              <a:buFontTx/>
-              <a:buNone/>
-              <a:tabLst/>
-              <a:defRPr/>
-            </a:pPr>
-            <a:r>
-              <a:rPr kumimoji="1" lang="en-US" altLang="ja-JP" sz="1300" b="0" i="0" u="none" strike="noStrike" kern="1200" cap="none" spc="0" normalizeH="0" baseline="0" noProof="0" dirty="0">
-                <a:ln>
-                  <a:noFill/>
-                </a:ln>
-                <a:solidFill>
-                  <a:srgbClr val="000000"/>
-                </a:solidFill>
-                <a:effectLst/>
-                <a:uLnTx/>
-                <a:uFillTx/>
-                <a:latin typeface="Yu Gothic UI Semilight" panose="020B0400000000000000" pitchFamily="50" charset="-128"/>
-                <a:ea typeface="Yu Gothic UI Semilight" panose="020B0400000000000000" pitchFamily="50" charset="-128"/>
-              </a:rPr>
-              <a:t>Swagger</a:t>
-            </a:r>
-            <a:r>
-              <a:rPr kumimoji="1" lang="ja-JP" altLang="en-US" sz="1300" b="0" i="0" u="none" strike="noStrike" kern="1200" cap="none" spc="0" normalizeH="0" baseline="0" noProof="0" dirty="0">
-                <a:ln>
-                  <a:noFill/>
-                </a:ln>
-                <a:solidFill>
-                  <a:srgbClr val="000000"/>
-                </a:solidFill>
-                <a:effectLst/>
-                <a:uLnTx/>
-                <a:uFillTx/>
-                <a:latin typeface="Yu Gothic UI Semilight" panose="020B0400000000000000" pitchFamily="50" charset="-128"/>
-                <a:ea typeface="Yu Gothic UI Semilight" panose="020B0400000000000000" pitchFamily="50" charset="-128"/>
-              </a:rPr>
-              <a:t> </a:t>
-            </a:r>
-            <a:r>
-              <a:rPr kumimoji="1" lang="en-US" altLang="ja-JP" sz="1300" b="0" i="0" u="none" strike="noStrike" kern="1200" cap="none" spc="0" normalizeH="0" baseline="0" noProof="0" dirty="0">
-                <a:ln>
-                  <a:noFill/>
-                </a:ln>
-                <a:solidFill>
-                  <a:srgbClr val="000000"/>
-                </a:solidFill>
-                <a:effectLst/>
-                <a:uLnTx/>
-                <a:uFillTx/>
-                <a:latin typeface="Yu Gothic UI Semilight" panose="020B0400000000000000" pitchFamily="50" charset="-128"/>
-                <a:ea typeface="Yu Gothic UI Semilight" panose="020B0400000000000000" pitchFamily="50" charset="-128"/>
-              </a:rPr>
-              <a:t>UI</a:t>
-            </a:r>
-          </a:p>
-        </p:txBody>
-      </p:sp>
-      <p:pic>
-        <p:nvPicPr>
-          <p:cNvPr id="33" name="Picture 10" descr="Swagger (software) - Wikipedia">
-            <a:extLst>
-              <a:ext uri="{FF2B5EF4-FFF2-40B4-BE49-F238E27FC236}">
-                <a16:creationId xmlns:a16="http://schemas.microsoft.com/office/drawing/2014/main" id="{D3AD9DC0-5A37-8373-0F33-C556872BC3D5}"/>
-              </a:ext>
-            </a:extLst>
-          </p:cNvPr>
-          <p:cNvPicPr>
-            <a:picLocks noChangeAspect="1" noChangeArrowheads="1"/>
-          </p:cNvPicPr>
-          <p:nvPr/>
-        </p:nvPicPr>
-        <p:blipFill>
-          <a:blip r:embed="rId12">
-            <a:extLst>
-              <a:ext uri="{28A0092B-C50C-407E-A947-70E740481C1C}">
-                <a14:useLocalDpi xmlns:a14="http://schemas.microsoft.com/office/drawing/2010/main" val="0"/>
-              </a:ext>
-            </a:extLst>
-          </a:blip>
-          <a:srcRect/>
-          <a:stretch>
-            <a:fillRect/>
-          </a:stretch>
-        </p:blipFill>
-        <p:spPr bwMode="auto">
-          <a:xfrm>
-            <a:off x="2740899" y="2576455"/>
-            <a:ext cx="384146" cy="384146"/>
-          </a:xfrm>
-          <a:prstGeom prst="rect">
-            <a:avLst/>
-          </a:prstGeom>
-          <a:noFill/>
-          <a:extLst>
-            <a:ext uri="{909E8E84-426E-40DD-AFC4-6F175D3DCCD1}">
-              <a14:hiddenFill xmlns:a14="http://schemas.microsoft.com/office/drawing/2010/main">
-                <a:solidFill>
-                  <a:srgbClr val="FFFFFF"/>
-                </a:solidFill>
-              </a14:hiddenFill>
-            </a:ext>
-          </a:extLst>
-        </p:spPr>
-      </p:pic>
-      <p:sp>
-        <p:nvSpPr>
           <p:cNvPr id="34" name="テキスト ボックス 33">
             <a:extLst>
               <a:ext uri="{FF2B5EF4-FFF2-40B4-BE49-F238E27FC236}">
@@ -19556,11 +19243,11 @@
           <p:nvPr/>
         </p:nvPicPr>
         <p:blipFill>
-          <a:blip r:embed="rId13">
+          <a:blip r:embed="rId12">
             <a:extLst>
               <a:ext uri="{BEBA8EAE-BF5A-486C-A8C5-ECC9F3942E4B}">
                 <a14:imgProps xmlns:a14="http://schemas.microsoft.com/office/drawing/2010/main">
-                  <a14:imgLayer r:embed="rId14">
+                  <a14:imgLayer r:embed="rId13">
                     <a14:imgEffect>
                       <a14:backgroundRemoval t="10000" b="90000" l="10000" r="90000"/>
                     </a14:imgEffect>
@@ -19819,7 +19506,7 @@
               <a:defRPr/>
             </a:pPr>
             <a:r>
-              <a:rPr kumimoji="1" lang="en-US" altLang="ja-JP" sz="1200" b="0" i="0" u="none" strike="noStrike" kern="1200" cap="none" spc="0" normalizeH="0" baseline="0" noProof="0" dirty="0">
+              <a:rPr kumimoji="1" lang="ja-JP" altLang="en-US" sz="1200" b="0" i="0" u="none" strike="noStrike" kern="1200" cap="none" spc="0" normalizeH="0" baseline="0" noProof="0" dirty="0">
                 <a:ln>
                   <a:noFill/>
                 </a:ln>
@@ -19833,76 +19520,22 @@
                 <a:ea typeface="Yu Gothic UI Semibold" panose="020B0700000000000000" pitchFamily="50" charset="-128"/>
                 <a:cs typeface="+mn-cs"/>
               </a:rPr>
-              <a:t>Static Web Apps</a:t>
-            </a:r>
-          </a:p>
-        </p:txBody>
-      </p:sp>
-      <p:sp>
-        <p:nvSpPr>
-          <p:cNvPr id="40" name="テキスト ボックス 39">
-            <a:extLst>
-              <a:ext uri="{FF2B5EF4-FFF2-40B4-BE49-F238E27FC236}">
-                <a16:creationId xmlns:a16="http://schemas.microsoft.com/office/drawing/2014/main" id="{9645588C-E8B1-F799-A0AF-8CDFFB3356F7}"/>
-              </a:ext>
-            </a:extLst>
-          </p:cNvPr>
-          <p:cNvSpPr txBox="1"/>
-          <p:nvPr/>
-        </p:nvSpPr>
-        <p:spPr>
-          <a:xfrm>
-            <a:off x="444357" y="2210534"/>
-            <a:ext cx="2392393" cy="323165"/>
-          </a:xfrm>
-          <a:prstGeom prst="rect">
-            <a:avLst/>
-          </a:prstGeom>
-          <a:noFill/>
-          <a:ln w="19050">
-            <a:noFill/>
-          </a:ln>
-        </p:spPr>
-        <p:txBody>
-          <a:bodyPr wrap="square" rtlCol="0">
-            <a:spAutoFit/>
-          </a:bodyPr>
-          <a:lstStyle/>
-          <a:p>
-            <a:pPr marL="0" marR="0" lvl="0" indent="0" algn="l" defTabSz="914367" rtl="0" eaLnBrk="1" fontAlgn="auto" latinLnBrk="0" hangingPunct="1">
-              <a:lnSpc>
-                <a:spcPct val="100000"/>
-              </a:lnSpc>
-              <a:spcBef>
-                <a:spcPts val="0"/>
-              </a:spcBef>
-              <a:spcAft>
-                <a:spcPts val="0"/>
-              </a:spcAft>
-              <a:buClrTx/>
-              <a:buSzTx/>
-              <a:buFontTx/>
-              <a:buNone/>
-              <a:tabLst/>
-              <a:defRPr/>
-            </a:pPr>
-            <a:r>
-              <a:rPr kumimoji="1" lang="en-US" altLang="ja-JP" sz="1500" b="0" i="0" u="none" strike="noStrike" kern="1200" cap="none" spc="0" normalizeH="0" baseline="0" noProof="0" dirty="0">
-                <a:ln>
-                  <a:noFill/>
-                </a:ln>
-                <a:solidFill>
-                  <a:srgbClr val="000000"/>
-                </a:solidFill>
-                <a:effectLst/>
-                <a:uLnTx/>
-                <a:uFillTx/>
-                <a:latin typeface="Yu Gothic UI Semibold" panose="020B0700000000000000" pitchFamily="50" charset="-128"/>
-                <a:ea typeface="Yu Gothic UI Semibold" panose="020B0700000000000000" pitchFamily="50" charset="-128"/>
-                <a:cs typeface="+mn-cs"/>
-              </a:rPr>
-              <a:t>Frontend</a:t>
-            </a:r>
+              <a:t>クライアントアプリ</a:t>
+            </a:r>
+            <a:endParaRPr kumimoji="1" lang="en-US" altLang="ja-JP" sz="1200" b="0" i="0" u="none" strike="noStrike" kern="1200" cap="none" spc="0" normalizeH="0" baseline="0" noProof="0" dirty="0">
+              <a:ln>
+                <a:noFill/>
+              </a:ln>
+              <a:solidFill>
+                <a:schemeClr val="accent1"/>
+              </a:solidFill>
+              <a:effectLst/>
+              <a:uLnTx/>
+              <a:uFillTx/>
+              <a:latin typeface="Yu Gothic UI Semibold" panose="020B0700000000000000" pitchFamily="50" charset="-128"/>
+              <a:ea typeface="Yu Gothic UI Semibold" panose="020B0700000000000000" pitchFamily="50" charset="-128"/>
+              <a:cs typeface="+mn-cs"/>
+            </a:endParaRPr>
           </a:p>
         </p:txBody>
       </p:sp>
@@ -19921,10 +19554,10 @@
           <p:nvPr/>
         </p:nvPicPr>
         <p:blipFill>
-          <a:blip r:embed="rId15">
+          <a:blip r:embed="rId14">
             <a:extLst>
               <a:ext uri="{96DAC541-7B7A-43D3-8B79-37D633B846F1}">
-                <asvg:svgBlip xmlns:asvg="http://schemas.microsoft.com/office/drawing/2016/SVG/main" r:embed="rId16"/>
+                <asvg:svgBlip xmlns:asvg="http://schemas.microsoft.com/office/drawing/2016/SVG/main" r:embed="rId15"/>
               </a:ext>
             </a:extLst>
           </a:blip>
@@ -19942,103 +19575,6 @@
           </a:prstGeom>
         </p:spPr>
       </p:pic>
-      <p:pic>
-        <p:nvPicPr>
-          <p:cNvPr id="42" name="図 41">
-            <a:extLst>
-              <a:ext uri="{FF2B5EF4-FFF2-40B4-BE49-F238E27FC236}">
-                <a16:creationId xmlns:a16="http://schemas.microsoft.com/office/drawing/2014/main" id="{4152D562-99B1-53F1-DAFE-07CD00C1BC12}"/>
-              </a:ext>
-            </a:extLst>
-          </p:cNvPr>
-          <p:cNvPicPr>
-            <a:picLocks noChangeAspect="1"/>
-          </p:cNvPicPr>
-          <p:nvPr/>
-        </p:nvPicPr>
-        <p:blipFill>
-          <a:blip r:embed="rId17"/>
-          <a:stretch>
-            <a:fillRect/>
-          </a:stretch>
-        </p:blipFill>
-        <p:spPr>
-          <a:xfrm>
-            <a:off x="805579" y="2655106"/>
-            <a:ext cx="865184" cy="486666"/>
-          </a:xfrm>
-          <a:prstGeom prst="rect">
-            <a:avLst/>
-          </a:prstGeom>
-        </p:spPr>
-      </p:pic>
-      <p:sp>
-        <p:nvSpPr>
-          <p:cNvPr id="43" name="テキスト ボックス 42">
-            <a:extLst>
-              <a:ext uri="{FF2B5EF4-FFF2-40B4-BE49-F238E27FC236}">
-                <a16:creationId xmlns:a16="http://schemas.microsoft.com/office/drawing/2014/main" id="{D9C441EA-21E1-0FA5-C591-7284CA5020D5}"/>
-              </a:ext>
-            </a:extLst>
-          </p:cNvPr>
-          <p:cNvSpPr txBox="1"/>
-          <p:nvPr/>
-        </p:nvSpPr>
-        <p:spPr>
-          <a:xfrm>
-            <a:off x="996439" y="3085422"/>
-            <a:ext cx="2392393" cy="323165"/>
-          </a:xfrm>
-          <a:prstGeom prst="rect">
-            <a:avLst/>
-          </a:prstGeom>
-          <a:noFill/>
-          <a:ln w="19050">
-            <a:noFill/>
-          </a:ln>
-        </p:spPr>
-        <p:txBody>
-          <a:bodyPr wrap="square" rtlCol="0">
-            <a:spAutoFit/>
-          </a:bodyPr>
-          <a:lstStyle/>
-          <a:p>
-            <a:pPr marL="0" marR="0" lvl="0" indent="0" algn="l" defTabSz="914367" rtl="0" eaLnBrk="1" fontAlgn="auto" latinLnBrk="0" hangingPunct="1">
-              <a:lnSpc>
-                <a:spcPct val="100000"/>
-              </a:lnSpc>
-              <a:spcBef>
-                <a:spcPts val="0"/>
-              </a:spcBef>
-              <a:spcAft>
-                <a:spcPts val="0"/>
-              </a:spcAft>
-              <a:buClrTx/>
-              <a:buSzTx/>
-              <a:buFontTx/>
-              <a:buNone/>
-              <a:tabLst/>
-              <a:defRPr/>
-            </a:pPr>
-            <a:r>
-              <a:rPr kumimoji="1" lang="en-US" altLang="ja-JP" sz="1500" b="0" i="0" u="none" strike="noStrike" kern="1200" cap="none" spc="0" normalizeH="0" baseline="0" noProof="0" dirty="0">
-                <a:ln>
-                  <a:noFill/>
-                </a:ln>
-                <a:solidFill>
-                  <a:srgbClr val="000000"/>
-                </a:solidFill>
-                <a:effectLst/>
-                <a:uLnTx/>
-                <a:uFillTx/>
-                <a:latin typeface="Yu Gothic UI Semilight" panose="020B0400000000000000" pitchFamily="50" charset="-128"/>
-                <a:ea typeface="Yu Gothic UI Semilight" panose="020B0400000000000000" pitchFamily="50" charset="-128"/>
-              </a:rPr>
-              <a:t>React</a:t>
-            </a:r>
-          </a:p>
-        </p:txBody>
-      </p:sp>
       <p:cxnSp>
         <p:nvCxnSpPr>
           <p:cNvPr id="45" name="コネクタ: カギ線 44">
@@ -20150,13 +19686,13 @@
           <p:nvPr/>
         </p:nvPicPr>
         <p:blipFill>
-          <a:blip r:embed="rId18">
+          <a:blip r:embed="rId16">
             <a:extLst>
               <a:ext uri="{28A0092B-C50C-407E-A947-70E740481C1C}">
                 <a14:useLocalDpi xmlns:a14="http://schemas.microsoft.com/office/drawing/2010/main" val="0"/>
               </a:ext>
               <a:ext uri="{96DAC541-7B7A-43D3-8B79-37D633B846F1}">
-                <asvg:svgBlip xmlns:asvg="http://schemas.microsoft.com/office/drawing/2016/SVG/main" r:embed="rId19"/>
+                <asvg:svgBlip xmlns:asvg="http://schemas.microsoft.com/office/drawing/2016/SVG/main" r:embed="rId17"/>
               </a:ext>
             </a:extLst>
           </a:blip>
@@ -20254,13 +19790,13 @@
           <p:nvPr/>
         </p:nvPicPr>
         <p:blipFill>
-          <a:blip r:embed="rId20">
+          <a:blip r:embed="rId18">
             <a:extLst>
               <a:ext uri="{28A0092B-C50C-407E-A947-70E740481C1C}">
                 <a14:useLocalDpi xmlns:a14="http://schemas.microsoft.com/office/drawing/2010/main" val="0"/>
               </a:ext>
               <a:ext uri="{96DAC541-7B7A-43D3-8B79-37D633B846F1}">
-                <asvg:svgBlip xmlns:asvg="http://schemas.microsoft.com/office/drawing/2016/SVG/main" r:embed="rId21"/>
+                <asvg:svgBlip xmlns:asvg="http://schemas.microsoft.com/office/drawing/2016/SVG/main" r:embed="rId19"/>
               </a:ext>
             </a:extLst>
           </a:blip>
@@ -20293,13 +19829,13 @@
           <p:nvPr/>
         </p:nvPicPr>
         <p:blipFill>
-          <a:blip r:embed="rId20">
+          <a:blip r:embed="rId18">
             <a:extLst>
               <a:ext uri="{28A0092B-C50C-407E-A947-70E740481C1C}">
                 <a14:useLocalDpi xmlns:a14="http://schemas.microsoft.com/office/drawing/2010/main" val="0"/>
               </a:ext>
               <a:ext uri="{96DAC541-7B7A-43D3-8B79-37D633B846F1}">
-                <asvg:svgBlip xmlns:asvg="http://schemas.microsoft.com/office/drawing/2016/SVG/main" r:embed="rId21"/>
+                <asvg:svgBlip xmlns:asvg="http://schemas.microsoft.com/office/drawing/2016/SVG/main" r:embed="rId19"/>
               </a:ext>
             </a:extLst>
           </a:blip>
@@ -20332,13 +19868,13 @@
           <p:nvPr/>
         </p:nvPicPr>
         <p:blipFill>
-          <a:blip r:embed="rId20">
+          <a:blip r:embed="rId18">
             <a:extLst>
               <a:ext uri="{28A0092B-C50C-407E-A947-70E740481C1C}">
                 <a14:useLocalDpi xmlns:a14="http://schemas.microsoft.com/office/drawing/2010/main" val="0"/>
               </a:ext>
               <a:ext uri="{96DAC541-7B7A-43D3-8B79-37D633B846F1}">
-                <asvg:svgBlip xmlns:asvg="http://schemas.microsoft.com/office/drawing/2016/SVG/main" r:embed="rId21"/>
+                <asvg:svgBlip xmlns:asvg="http://schemas.microsoft.com/office/drawing/2016/SVG/main" r:embed="rId19"/>
               </a:ext>
             </a:extLst>
           </a:blip>
@@ -20619,7 +20155,7 @@
           <p:nvPr/>
         </p:nvPicPr>
         <p:blipFill>
-          <a:blip r:embed="rId22">
+          <a:blip r:embed="rId20">
             <a:extLst>
               <a:ext uri="{28A0092B-C50C-407E-A947-70E740481C1C}">
                 <a14:useLocalDpi xmlns:a14="http://schemas.microsoft.com/office/drawing/2010/main" val="0"/>
@@ -20666,13 +20202,13 @@
           <p:nvPr/>
         </p:nvPicPr>
         <p:blipFill>
-          <a:blip r:embed="rId23">
+          <a:blip r:embed="rId21">
             <a:extLst>
               <a:ext uri="{28A0092B-C50C-407E-A947-70E740481C1C}">
                 <a14:useLocalDpi xmlns:a14="http://schemas.microsoft.com/office/drawing/2010/main" val="0"/>
               </a:ext>
               <a:ext uri="{96DAC541-7B7A-43D3-8B79-37D633B846F1}">
-                <asvg:svgBlip xmlns:asvg="http://schemas.microsoft.com/office/drawing/2016/SVG/main" r:embed="rId24"/>
+                <asvg:svgBlip xmlns:asvg="http://schemas.microsoft.com/office/drawing/2016/SVG/main" r:embed="rId22"/>
               </a:ext>
             </a:extLst>
           </a:blip>
@@ -20763,13 +20299,13 @@
           <p:nvPr/>
         </p:nvPicPr>
         <p:blipFill>
-          <a:blip r:embed="rId25">
+          <a:blip r:embed="rId23">
             <a:extLst>
               <a:ext uri="{28A0092B-C50C-407E-A947-70E740481C1C}">
                 <a14:useLocalDpi xmlns:a14="http://schemas.microsoft.com/office/drawing/2010/main" val="0"/>
               </a:ext>
               <a:ext uri="{96DAC541-7B7A-43D3-8B79-37D633B846F1}">
-                <asvg:svgBlip xmlns:asvg="http://schemas.microsoft.com/office/drawing/2016/SVG/main" r:embed="rId26"/>
+                <asvg:svgBlip xmlns:asvg="http://schemas.microsoft.com/office/drawing/2016/SVG/main" r:embed="rId24"/>
               </a:ext>
             </a:extLst>
           </a:blip>
@@ -20925,7 +20461,7 @@
           <p:nvPr/>
         </p:nvPicPr>
         <p:blipFill>
-          <a:blip r:embed="rId27">
+          <a:blip r:embed="rId25">
             <a:extLst>
               <a:ext uri="{28A0092B-C50C-407E-A947-70E740481C1C}">
                 <a14:useLocalDpi xmlns:a14="http://schemas.microsoft.com/office/drawing/2010/main" val="0"/>
@@ -21198,7 +20734,7 @@
           <p:nvPr/>
         </p:nvPicPr>
         <p:blipFill>
-          <a:blip r:embed="rId28">
+          <a:blip r:embed="rId26">
             <a:extLst>
               <a:ext uri="{28A0092B-C50C-407E-A947-70E740481C1C}">
                 <a14:useLocalDpi xmlns:a14="http://schemas.microsoft.com/office/drawing/2010/main" val="0"/>
@@ -21331,7 +20867,7 @@
           <p:nvPr/>
         </p:nvPicPr>
         <p:blipFill>
-          <a:blip r:embed="rId29">
+          <a:blip r:embed="rId27">
             <a:extLst>
               <a:ext uri="{28A0092B-C50C-407E-A947-70E740481C1C}">
                 <a14:useLocalDpi xmlns:a14="http://schemas.microsoft.com/office/drawing/2010/main" val="0"/>
@@ -21378,7 +20914,7 @@
           <p:nvPr/>
         </p:nvPicPr>
         <p:blipFill>
-          <a:blip r:embed="rId29">
+          <a:blip r:embed="rId27">
             <a:extLst>
               <a:ext uri="{28A0092B-C50C-407E-A947-70E740481C1C}">
                 <a14:useLocalDpi xmlns:a14="http://schemas.microsoft.com/office/drawing/2010/main" val="0"/>
@@ -21425,7 +20961,7 @@
           <p:nvPr/>
         </p:nvPicPr>
         <p:blipFill>
-          <a:blip r:embed="rId30">
+          <a:blip r:embed="rId28">
             <a:extLst>
               <a:ext uri="{28A0092B-C50C-407E-A947-70E740481C1C}">
                 <a14:useLocalDpi xmlns:a14="http://schemas.microsoft.com/office/drawing/2010/main" val="0"/>
@@ -21738,7 +21274,7 @@
           <p:nvPr/>
         </p:nvPicPr>
         <p:blipFill>
-          <a:blip r:embed="rId31">
+          <a:blip r:embed="rId29">
             <a:extLst>
               <a:ext uri="{28A0092B-C50C-407E-A947-70E740481C1C}">
                 <a14:useLocalDpi xmlns:a14="http://schemas.microsoft.com/office/drawing/2010/main" val="0"/>
@@ -21785,7 +21321,7 @@
           <p:nvPr/>
         </p:nvPicPr>
         <p:blipFill>
-          <a:blip r:embed="rId31">
+          <a:blip r:embed="rId29">
             <a:extLst>
               <a:ext uri="{28A0092B-C50C-407E-A947-70E740481C1C}">
                 <a14:useLocalDpi xmlns:a14="http://schemas.microsoft.com/office/drawing/2010/main" val="0"/>
@@ -21832,7 +21368,7 @@
           <p:nvPr/>
         </p:nvPicPr>
         <p:blipFill>
-          <a:blip r:embed="rId31">
+          <a:blip r:embed="rId29">
             <a:extLst>
               <a:ext uri="{28A0092B-C50C-407E-A947-70E740481C1C}">
                 <a14:useLocalDpi xmlns:a14="http://schemas.microsoft.com/office/drawing/2010/main" val="0"/>
@@ -22309,7 +21845,7 @@
           <p:nvPr/>
         </p:nvPicPr>
         <p:blipFill>
-          <a:blip r:embed="rId31">
+          <a:blip r:embed="rId29">
             <a:extLst>
               <a:ext uri="{28A0092B-C50C-407E-A947-70E740481C1C}">
                 <a14:useLocalDpi xmlns:a14="http://schemas.microsoft.com/office/drawing/2010/main" val="0"/>
@@ -22585,7 +22121,7 @@
           <p:nvPr/>
         </p:nvPicPr>
         <p:blipFill>
-          <a:blip r:embed="rId29">
+          <a:blip r:embed="rId27">
             <a:extLst>
               <a:ext uri="{28A0092B-C50C-407E-A947-70E740481C1C}">
                 <a14:useLocalDpi xmlns:a14="http://schemas.microsoft.com/office/drawing/2010/main" val="0"/>
@@ -23317,13 +22853,13 @@
           <p:nvPr/>
         </p:nvPicPr>
         <p:blipFill>
-          <a:blip r:embed="rId32">
+          <a:blip r:embed="rId30">
             <a:extLst>
               <a:ext uri="{28A0092B-C50C-407E-A947-70E740481C1C}">
                 <a14:useLocalDpi xmlns:a14="http://schemas.microsoft.com/office/drawing/2010/main" val="0"/>
               </a:ext>
               <a:ext uri="{96DAC541-7B7A-43D3-8B79-37D633B846F1}">
-                <asvg:svgBlip xmlns:asvg="http://schemas.microsoft.com/office/drawing/2016/SVG/main" r:embed="rId33"/>
+                <asvg:svgBlip xmlns:asvg="http://schemas.microsoft.com/office/drawing/2016/SVG/main" r:embed="rId31"/>
               </a:ext>
             </a:extLst>
           </a:blip>
@@ -23356,13 +22892,13 @@
           <p:nvPr/>
         </p:nvPicPr>
         <p:blipFill>
-          <a:blip r:embed="rId34">
+          <a:blip r:embed="rId32">
             <a:extLst>
               <a:ext uri="{28A0092B-C50C-407E-A947-70E740481C1C}">
                 <a14:useLocalDpi xmlns:a14="http://schemas.microsoft.com/office/drawing/2010/main" val="0"/>
               </a:ext>
               <a:ext uri="{96DAC541-7B7A-43D3-8B79-37D633B846F1}">
-                <asvg:svgBlip xmlns:asvg="http://schemas.microsoft.com/office/drawing/2016/SVG/main" r:embed="rId35"/>
+                <asvg:svgBlip xmlns:asvg="http://schemas.microsoft.com/office/drawing/2016/SVG/main" r:embed="rId33"/>
               </a:ext>
             </a:extLst>
           </a:blip>
